--- a/images-and-graphics/Crown-Jewels-pyramid.pptx
+++ b/images-and-graphics/Crown-Jewels-pyramid.pptx
@@ -10,59 +10,60 @@
     <p:sldId id="258" r:id="rId4"/>
     <p:sldId id="259" r:id="rId5"/>
     <p:sldId id="262" r:id="rId6"/>
-    <p:sldId id="260" r:id="rId7"/>
-    <p:sldId id="261" r:id="rId8"/>
+    <p:sldId id="263" r:id="rId7"/>
+    <p:sldId id="260" r:id="rId8"/>
+    <p:sldId id="261" r:id="rId9"/>
   </p:sldIdLst>
   <p:sldSz cx="9753600" cy="14630400"/>
   <p:notesSz cx="6858000" cy="9144000"/>
   <p:embeddedFontLst>
     <p:embeddedFont>
       <p:font typeface="Cinzel" panose="00000500000000000000" pitchFamily="2" charset="0"/>
-      <p:regular r:id="rId9"/>
+      <p:regular r:id="rId10"/>
     </p:embeddedFont>
     <p:embeddedFont>
       <p:font typeface="Cinzel Bold" panose="020B0604020202020204" charset="0"/>
-      <p:regular r:id="rId10"/>
+      <p:regular r:id="rId11"/>
     </p:embeddedFont>
     <p:embeddedFont>
       <p:font typeface="Futura Bk BT" panose="020B0502020204020303" pitchFamily="34" charset="0"/>
-      <p:regular r:id="rId11"/>
-      <p:italic r:id="rId12"/>
+      <p:regular r:id="rId12"/>
+      <p:italic r:id="rId13"/>
     </p:embeddedFont>
     <p:embeddedFont>
       <p:font typeface="Futura Cyrillic Book" panose="020B0502020204020303" pitchFamily="34" charset="0"/>
-      <p:regular r:id="rId13"/>
+      <p:regular r:id="rId14"/>
     </p:embeddedFont>
     <p:embeddedFont>
       <p:font typeface="Futura Cyrillic Demi" panose="020B0702020204020303" pitchFamily="34" charset="0"/>
-      <p:regular r:id="rId14"/>
+      <p:regular r:id="rId15"/>
     </p:embeddedFont>
     <p:embeddedFont>
       <p:font typeface="Futura Cyrillic Heavy" panose="020B0802020204020303" pitchFamily="34" charset="0"/>
-      <p:bold r:id="rId15"/>
+      <p:bold r:id="rId16"/>
     </p:embeddedFont>
     <p:embeddedFont>
       <p:font typeface="Futura Cyrillic Medium" panose="020B0602020204020303" pitchFamily="34" charset="0"/>
-      <p:regular r:id="rId16"/>
+      <p:regular r:id="rId17"/>
     </p:embeddedFont>
     <p:embeddedFont>
       <p:font typeface="Futura PT Bold" panose="020B0604020202020204" charset="0"/>
-      <p:regular r:id="rId17"/>
+      <p:regular r:id="rId18"/>
     </p:embeddedFont>
     <p:embeddedFont>
       <p:font typeface="Futura PT Light" panose="020B0604020202020204" charset="0"/>
-      <p:regular r:id="rId18"/>
+      <p:regular r:id="rId19"/>
     </p:embeddedFont>
     <p:embeddedFont>
       <p:font typeface="Futura PT Medium" panose="020B0604020202020204" charset="0"/>
-      <p:regular r:id="rId19"/>
+      <p:regular r:id="rId20"/>
     </p:embeddedFont>
     <p:embeddedFont>
       <p:font typeface="Futura Std Book" panose="020B0502020204020303" pitchFamily="34" charset="0"/>
-      <p:regular r:id="rId20"/>
-      <p:bold r:id="rId21"/>
-      <p:italic r:id="rId22"/>
-      <p:boldItalic r:id="rId23"/>
+      <p:regular r:id="rId21"/>
+      <p:bold r:id="rId22"/>
+      <p:italic r:id="rId23"/>
+      <p:boldItalic r:id="rId24"/>
     </p:embeddedFont>
   </p:embeddedFontLst>
   <p:defaultTextStyle>
@@ -8466,6 +8467,3131 @@
   <p:cSld>
     <p:spTree>
       <p:nvGrpSpPr>
+        <p:cNvPr id="1" name="">
+          <a:extLst>
+            <a:ext uri="{FF2B5EF4-FFF2-40B4-BE49-F238E27FC236}">
+              <a16:creationId xmlns:a16="http://schemas.microsoft.com/office/drawing/2014/main" id="{DA48092B-15B9-EB52-D442-84DACC64894F}"/>
+            </a:ext>
+          </a:extLst>
+        </p:cNvPr>
+        <p:cNvGrpSpPr/>
+        <p:nvPr/>
+      </p:nvGrpSpPr>
+      <p:grpSpPr>
+        <a:xfrm>
+          <a:off x="0" y="0"/>
+          <a:ext cx="0" cy="0"/>
+          <a:chOff x="0" y="0"/>
+          <a:chExt cx="0" cy="0"/>
+        </a:xfrm>
+      </p:grpSpPr>
+      <p:grpSp>
+        <p:nvGrpSpPr>
+          <p:cNvPr id="84" name="Group 83">
+            <a:extLst>
+              <a:ext uri="{FF2B5EF4-FFF2-40B4-BE49-F238E27FC236}">
+                <a16:creationId xmlns:a16="http://schemas.microsoft.com/office/drawing/2014/main" id="{D483A200-A022-07B8-033E-9057DA2FE5C1}"/>
+              </a:ext>
+            </a:extLst>
+          </p:cNvPr>
+          <p:cNvGrpSpPr/>
+          <p:nvPr/>
+        </p:nvGrpSpPr>
+        <p:grpSpPr>
+          <a:xfrm>
+            <a:off x="2984223" y="4551543"/>
+            <a:ext cx="4237057" cy="618597"/>
+            <a:chOff x="2984223" y="4551543"/>
+            <a:chExt cx="4237057" cy="618597"/>
+          </a:xfrm>
+        </p:grpSpPr>
+        <p:sp>
+          <p:nvSpPr>
+            <p:cNvPr id="8" name="TextBox 7">
+              <a:extLst>
+                <a:ext uri="{FF2B5EF4-FFF2-40B4-BE49-F238E27FC236}">
+                  <a16:creationId xmlns:a16="http://schemas.microsoft.com/office/drawing/2014/main" id="{80FE2D0D-788F-8E16-62D3-C5670CB7596C}"/>
+                </a:ext>
+              </a:extLst>
+            </p:cNvPr>
+            <p:cNvSpPr txBox="1"/>
+            <p:nvPr/>
+          </p:nvSpPr>
+          <p:spPr>
+            <a:xfrm>
+              <a:off x="2984223" y="4551543"/>
+              <a:ext cx="4237057" cy="415498"/>
+            </a:xfrm>
+            <a:prstGeom prst="rect">
+              <a:avLst/>
+            </a:prstGeom>
+            <a:noFill/>
+          </p:spPr>
+          <p:txBody>
+            <a:bodyPr wrap="none" rtlCol="0">
+              <a:spAutoFit/>
+            </a:bodyPr>
+            <a:lstStyle/>
+            <a:p>
+              <a:pPr algn="l"/>
+              <a:r>
+                <a:rPr lang="en-CA" sz="2100" b="1" spc="0" baseline="0" dirty="0">
+                  <a:ln/>
+                  <a:solidFill>
+                    <a:schemeClr val="bg1"/>
+                  </a:solidFill>
+                  <a:latin typeface="Cinzel" panose="00000500000000000000" pitchFamily="2" charset="0"/>
+                  <a:cs typeface="Arial"/>
+                  <a:sym typeface="Arial"/>
+                  <a:rtl val="0"/>
+                </a:rPr>
+                <a:t>Deepfake Defense Hierarchy</a:t>
+              </a:r>
+            </a:p>
+          </p:txBody>
+        </p:sp>
+        <p:sp>
+          <p:nvSpPr>
+            <p:cNvPr id="9" name="TextBox 8">
+              <a:extLst>
+                <a:ext uri="{FF2B5EF4-FFF2-40B4-BE49-F238E27FC236}">
+                  <a16:creationId xmlns:a16="http://schemas.microsoft.com/office/drawing/2014/main" id="{AC99F632-DCEF-4B2D-BC47-424A36FAAE40}"/>
+                </a:ext>
+              </a:extLst>
+            </p:cNvPr>
+            <p:cNvSpPr txBox="1"/>
+            <p:nvPr/>
+          </p:nvSpPr>
+          <p:spPr>
+            <a:xfrm>
+              <a:off x="3167412" y="4893141"/>
+              <a:ext cx="3472425" cy="276999"/>
+            </a:xfrm>
+            <a:prstGeom prst="rect">
+              <a:avLst/>
+            </a:prstGeom>
+            <a:noFill/>
+          </p:spPr>
+          <p:txBody>
+            <a:bodyPr wrap="none" rtlCol="0">
+              <a:spAutoFit/>
+            </a:bodyPr>
+            <a:lstStyle/>
+            <a:p>
+              <a:pPr algn="l"/>
+              <a:r>
+                <a:rPr lang="en-CA" sz="1200" spc="0" baseline="0" dirty="0">
+                  <a:ln/>
+                  <a:solidFill>
+                    <a:schemeClr val="bg2"/>
+                  </a:solidFill>
+                  <a:latin typeface="Futura Cyrillic Heavy" panose="020B0802020204020303" pitchFamily="34" charset="0"/>
+                  <a:cs typeface="Arial"/>
+                  <a:sym typeface="Arial"/>
+                  <a:rtl val="0"/>
+                </a:rPr>
+                <a:t>Crown Jewels Approach to Executive Protection</a:t>
+              </a:r>
+            </a:p>
+          </p:txBody>
+        </p:sp>
+      </p:grpSp>
+      <p:grpSp>
+        <p:nvGrpSpPr>
+          <p:cNvPr id="83" name="Group 82">
+            <a:extLst>
+              <a:ext uri="{FF2B5EF4-FFF2-40B4-BE49-F238E27FC236}">
+                <a16:creationId xmlns:a16="http://schemas.microsoft.com/office/drawing/2014/main" id="{0915540A-EA0B-6BA9-408A-735C119CDF0A}"/>
+              </a:ext>
+            </a:extLst>
+          </p:cNvPr>
+          <p:cNvGrpSpPr/>
+          <p:nvPr/>
+        </p:nvGrpSpPr>
+        <p:grpSpPr>
+          <a:xfrm>
+            <a:off x="1884634" y="9358929"/>
+            <a:ext cx="5984331" cy="485908"/>
+            <a:chOff x="2808150" y="9358929"/>
+            <a:chExt cx="3946724" cy="485908"/>
+          </a:xfrm>
+        </p:grpSpPr>
+        <p:sp>
+          <p:nvSpPr>
+            <p:cNvPr id="53" name="TextBox 52">
+              <a:extLst>
+                <a:ext uri="{FF2B5EF4-FFF2-40B4-BE49-F238E27FC236}">
+                  <a16:creationId xmlns:a16="http://schemas.microsoft.com/office/drawing/2014/main" id="{B7F1A162-0B22-80C9-CE37-68A3367838FE}"/>
+                </a:ext>
+              </a:extLst>
+            </p:cNvPr>
+            <p:cNvSpPr txBox="1"/>
+            <p:nvPr/>
+          </p:nvSpPr>
+          <p:spPr>
+            <a:xfrm>
+              <a:off x="2808150" y="9358929"/>
+              <a:ext cx="3946724" cy="230832"/>
+            </a:xfrm>
+            <a:prstGeom prst="rect">
+              <a:avLst/>
+            </a:prstGeom>
+            <a:noFill/>
+          </p:spPr>
+          <p:txBody>
+            <a:bodyPr wrap="none" rtlCol="0">
+              <a:spAutoFit/>
+            </a:bodyPr>
+            <a:lstStyle/>
+            <a:p>
+              <a:pPr algn="ctr"/>
+              <a:r>
+                <a:rPr lang="en-CA" sz="900" b="1" spc="0" baseline="0" dirty="0">
+                  <a:ln/>
+                  <a:solidFill>
+                    <a:srgbClr val="0A1F44"/>
+                  </a:solidFill>
+                  <a:latin typeface="Futura Cyrillic Demi" panose="020B0702020204020303" pitchFamily="34" charset="0"/>
+                  <a:cs typeface="Arial"/>
+                  <a:sym typeface="Arial"/>
+                  <a:rtl val="0"/>
+                </a:rPr>
+                <a:t>Implementation: Tier 0 (30 days) → Tier 1 (90 days) → Tier 2 (180 days) | 78% attack reduction → 94% full protection</a:t>
+              </a:r>
+            </a:p>
+          </p:txBody>
+        </p:sp>
+        <p:sp>
+          <p:nvSpPr>
+            <p:cNvPr id="54" name="TextBox 53">
+              <a:extLst>
+                <a:ext uri="{FF2B5EF4-FFF2-40B4-BE49-F238E27FC236}">
+                  <a16:creationId xmlns:a16="http://schemas.microsoft.com/office/drawing/2014/main" id="{4494B159-B0FA-E68B-5010-C6BB05E5BE4A}"/>
+                </a:ext>
+              </a:extLst>
+            </p:cNvPr>
+            <p:cNvSpPr txBox="1"/>
+            <p:nvPr/>
+          </p:nvSpPr>
+          <p:spPr>
+            <a:xfrm>
+              <a:off x="3842812" y="9629393"/>
+              <a:ext cx="2147377" cy="215444"/>
+            </a:xfrm>
+            <a:prstGeom prst="rect">
+              <a:avLst/>
+            </a:prstGeom>
+            <a:noFill/>
+          </p:spPr>
+          <p:txBody>
+            <a:bodyPr wrap="none" rtlCol="0">
+              <a:spAutoFit/>
+            </a:bodyPr>
+            <a:lstStyle/>
+            <a:p>
+              <a:pPr algn="ctr"/>
+              <a:r>
+                <a:rPr lang="en-CA" sz="800" spc="0" baseline="0" dirty="0">
+                  <a:ln/>
+                  <a:solidFill>
+                    <a:schemeClr val="bg2"/>
+                  </a:solidFill>
+                  <a:latin typeface="Futura Cyrillic Medium" panose="020B0602020204020303" pitchFamily="34" charset="0"/>
+                  <a:cs typeface="Arial"/>
+                  <a:sym typeface="Arial"/>
+                  <a:rtl val="0"/>
+                </a:rPr>
+                <a:t>© 2025 James Cameron | Big Rock Intelligence | Deepfake Defense Series</a:t>
+              </a:r>
+            </a:p>
+          </p:txBody>
+        </p:sp>
+      </p:grpSp>
+      <p:grpSp>
+        <p:nvGrpSpPr>
+          <p:cNvPr id="74" name="Group 73">
+            <a:extLst>
+              <a:ext uri="{FF2B5EF4-FFF2-40B4-BE49-F238E27FC236}">
+                <a16:creationId xmlns:a16="http://schemas.microsoft.com/office/drawing/2014/main" id="{BCC51D46-CA00-881E-9B34-FFB45BD2B2EF}"/>
+              </a:ext>
+            </a:extLst>
+          </p:cNvPr>
+          <p:cNvGrpSpPr/>
+          <p:nvPr/>
+        </p:nvGrpSpPr>
+        <p:grpSpPr>
+          <a:xfrm>
+            <a:off x="2905320" y="6389119"/>
+            <a:ext cx="3942960" cy="443072"/>
+            <a:chOff x="3574012" y="6607580"/>
+            <a:chExt cx="2605574" cy="545150"/>
+          </a:xfrm>
+        </p:grpSpPr>
+        <p:sp>
+          <p:nvSpPr>
+            <p:cNvPr id="11" name="Freeform: Shape 10">
+              <a:extLst>
+                <a:ext uri="{FF2B5EF4-FFF2-40B4-BE49-F238E27FC236}">
+                  <a16:creationId xmlns:a16="http://schemas.microsoft.com/office/drawing/2014/main" id="{E7522818-66C2-9148-5E8B-B62D4042794F}"/>
+                </a:ext>
+              </a:extLst>
+            </p:cNvPr>
+            <p:cNvSpPr/>
+            <p:nvPr/>
+          </p:nvSpPr>
+          <p:spPr>
+            <a:xfrm>
+              <a:off x="3574012" y="6609324"/>
+              <a:ext cx="2605574" cy="543406"/>
+            </a:xfrm>
+            <a:custGeom>
+              <a:avLst/>
+              <a:gdLst>
+                <a:gd name="connsiteX0" fmla="*/ 381000 w 2286000"/>
+                <a:gd name="connsiteY0" fmla="*/ 0 h 762000"/>
+                <a:gd name="connsiteX1" fmla="*/ 1905000 w 2286000"/>
+                <a:gd name="connsiteY1" fmla="*/ 0 h 762000"/>
+                <a:gd name="connsiteX2" fmla="*/ 2286000 w 2286000"/>
+                <a:gd name="connsiteY2" fmla="*/ 762000 h 762000"/>
+                <a:gd name="connsiteX3" fmla="*/ 0 w 2286000"/>
+                <a:gd name="connsiteY3" fmla="*/ 762000 h 762000"/>
+              </a:gdLst>
+              <a:ahLst/>
+              <a:cxnLst>
+                <a:cxn ang="0">
+                  <a:pos x="connsiteX0" y="connsiteY0"/>
+                </a:cxn>
+                <a:cxn ang="0">
+                  <a:pos x="connsiteX1" y="connsiteY1"/>
+                </a:cxn>
+                <a:cxn ang="0">
+                  <a:pos x="connsiteX2" y="connsiteY2"/>
+                </a:cxn>
+                <a:cxn ang="0">
+                  <a:pos x="connsiteX3" y="connsiteY3"/>
+                </a:cxn>
+              </a:cxnLst>
+              <a:rect l="l" t="t" r="r" b="b"/>
+              <a:pathLst>
+                <a:path w="2286000" h="762000">
+                  <a:moveTo>
+                    <a:pt x="381000" y="0"/>
+                  </a:moveTo>
+                  <a:lnTo>
+                    <a:pt x="1905000" y="0"/>
+                  </a:lnTo>
+                  <a:lnTo>
+                    <a:pt x="2286000" y="762000"/>
+                  </a:lnTo>
+                  <a:lnTo>
+                    <a:pt x="0" y="762000"/>
+                  </a:lnTo>
+                  <a:close/>
+                </a:path>
+              </a:pathLst>
+            </a:custGeom>
+            <a:gradFill>
+              <a:gsLst>
+                <a:gs pos="0">
+                  <a:schemeClr val="accent1"/>
+                </a:gs>
+                <a:gs pos="60000">
+                  <a:srgbClr val="E7C456"/>
+                </a:gs>
+                <a:gs pos="100000">
+                  <a:srgbClr val="F4D03F"/>
+                </a:gs>
+              </a:gsLst>
+              <a:lin ang="2700000" scaled="1"/>
+            </a:gradFill>
+            <a:ln w="19050" cap="flat">
+              <a:solidFill>
+                <a:srgbClr val="0A1F44"/>
+              </a:solidFill>
+              <a:prstDash val="solid"/>
+              <a:miter/>
+            </a:ln>
+          </p:spPr>
+          <p:txBody>
+            <a:bodyPr rtlCol="0" anchor="ctr"/>
+            <a:lstStyle/>
+            <a:p>
+              <a:endParaRPr lang="en-CA" dirty="0"/>
+            </a:p>
+          </p:txBody>
+        </p:sp>
+        <p:sp>
+          <p:nvSpPr>
+            <p:cNvPr id="17" name="TextBox 16">
+              <a:extLst>
+                <a:ext uri="{FF2B5EF4-FFF2-40B4-BE49-F238E27FC236}">
+                  <a16:creationId xmlns:a16="http://schemas.microsoft.com/office/drawing/2014/main" id="{7D9F0D0D-FCFA-A5DC-B84E-DF062E3486B1}"/>
+                </a:ext>
+              </a:extLst>
+            </p:cNvPr>
+            <p:cNvSpPr txBox="1"/>
+            <p:nvPr/>
+          </p:nvSpPr>
+          <p:spPr>
+            <a:xfrm>
+              <a:off x="4506373" y="6607580"/>
+              <a:ext cx="740855" cy="267649"/>
+            </a:xfrm>
+            <a:prstGeom prst="rect">
+              <a:avLst/>
+            </a:prstGeom>
+            <a:noFill/>
+          </p:spPr>
+          <p:txBody>
+            <a:bodyPr wrap="square" rtlCol="0">
+              <a:spAutoFit/>
+            </a:bodyPr>
+            <a:lstStyle/>
+            <a:p>
+              <a:pPr algn="ctr"/>
+              <a:r>
+                <a:rPr lang="en-CA" sz="1500" b="1" spc="0" baseline="0" dirty="0">
+                  <a:ln/>
+                  <a:solidFill>
+                    <a:srgbClr val="0A1F44"/>
+                  </a:solidFill>
+                  <a:latin typeface="Cinzel" panose="00000500000000000000" pitchFamily="2" charset="0"/>
+                  <a:cs typeface="Arial"/>
+                  <a:sym typeface="Arial"/>
+                  <a:rtl val="0"/>
+                </a:rPr>
+                <a:t>TIER 1</a:t>
+              </a:r>
+            </a:p>
+          </p:txBody>
+        </p:sp>
+        <p:sp>
+          <p:nvSpPr>
+            <p:cNvPr id="18" name="TextBox 17">
+              <a:extLst>
+                <a:ext uri="{FF2B5EF4-FFF2-40B4-BE49-F238E27FC236}">
+                  <a16:creationId xmlns:a16="http://schemas.microsoft.com/office/drawing/2014/main" id="{2740EB6D-88AE-AD02-9C65-490DDE1A6D80}"/>
+                </a:ext>
+              </a:extLst>
+            </p:cNvPr>
+            <p:cNvSpPr txBox="1"/>
+            <p:nvPr/>
+          </p:nvSpPr>
+          <p:spPr>
+            <a:xfrm>
+              <a:off x="3976380" y="6816656"/>
+              <a:ext cx="1800840" cy="219072"/>
+            </a:xfrm>
+            <a:prstGeom prst="rect">
+              <a:avLst/>
+            </a:prstGeom>
+            <a:noFill/>
+          </p:spPr>
+          <p:txBody>
+            <a:bodyPr wrap="square" rtlCol="0">
+              <a:spAutoFit/>
+            </a:bodyPr>
+            <a:lstStyle/>
+            <a:p>
+              <a:pPr algn="ctr"/>
+              <a:r>
+                <a:rPr lang="en-CA" sz="900" b="1" spc="0" baseline="0" dirty="0">
+                  <a:ln/>
+                  <a:solidFill>
+                    <a:srgbClr val="0A1F44"/>
+                  </a:solidFill>
+                  <a:latin typeface="Futura Cyrillic Book" panose="020B0502020204020303" pitchFamily="34" charset="0"/>
+                  <a:cs typeface="Arial"/>
+                  <a:sym typeface="Arial"/>
+                  <a:rtl val="0"/>
+                </a:rPr>
+                <a:t>Important but not business critical</a:t>
+              </a:r>
+            </a:p>
+          </p:txBody>
+        </p:sp>
+        <p:sp>
+          <p:nvSpPr>
+            <p:cNvPr id="19" name="TextBox 18">
+              <a:extLst>
+                <a:ext uri="{FF2B5EF4-FFF2-40B4-BE49-F238E27FC236}">
+                  <a16:creationId xmlns:a16="http://schemas.microsoft.com/office/drawing/2014/main" id="{6EF5AB2F-F939-2203-D3A9-98FBB46DD17B}"/>
+                </a:ext>
+              </a:extLst>
+            </p:cNvPr>
+            <p:cNvSpPr txBox="1"/>
+            <p:nvPr/>
+          </p:nvSpPr>
+          <p:spPr>
+            <a:xfrm>
+              <a:off x="3857751" y="6943724"/>
+              <a:ext cx="2038099" cy="181619"/>
+            </a:xfrm>
+            <a:prstGeom prst="rect">
+              <a:avLst/>
+            </a:prstGeom>
+            <a:noFill/>
+          </p:spPr>
+          <p:txBody>
+            <a:bodyPr wrap="square" rtlCol="0">
+              <a:spAutoFit/>
+            </a:bodyPr>
+            <a:lstStyle/>
+            <a:p>
+              <a:pPr algn="ctr"/>
+              <a:r>
+                <a:rPr lang="en-CA" sz="825" spc="0" baseline="0" dirty="0">
+                  <a:ln/>
+                  <a:solidFill>
+                    <a:srgbClr val="0A1F44"/>
+                  </a:solidFill>
+                  <a:latin typeface="Futura Cyrillic Book" panose="020B0502020204020303" pitchFamily="34" charset="0"/>
+                  <a:cs typeface="Arial"/>
+                  <a:sym typeface="Arial"/>
+                  <a:rtl val="0"/>
+                </a:rPr>
+                <a:t>Senior Management &amp; Department Heads</a:t>
+              </a:r>
+            </a:p>
+          </p:txBody>
+        </p:sp>
+      </p:grpSp>
+      <p:grpSp>
+        <p:nvGrpSpPr>
+          <p:cNvPr id="76" name="Group 75">
+            <a:extLst>
+              <a:ext uri="{FF2B5EF4-FFF2-40B4-BE49-F238E27FC236}">
+                <a16:creationId xmlns:a16="http://schemas.microsoft.com/office/drawing/2014/main" id="{229FF929-FCBA-2F7D-8FA0-69B0B0BE5E78}"/>
+              </a:ext>
+            </a:extLst>
+          </p:cNvPr>
+          <p:cNvGrpSpPr/>
+          <p:nvPr/>
+        </p:nvGrpSpPr>
+        <p:grpSpPr>
+          <a:xfrm>
+            <a:off x="1872751" y="6901951"/>
+            <a:ext cx="5996214" cy="615721"/>
+            <a:chOff x="2895599" y="7203820"/>
+            <a:chExt cx="3962399" cy="678645"/>
+          </a:xfrm>
+        </p:grpSpPr>
+        <p:sp>
+          <p:nvSpPr>
+            <p:cNvPr id="12" name="Freeform: Shape 11">
+              <a:extLst>
+                <a:ext uri="{FF2B5EF4-FFF2-40B4-BE49-F238E27FC236}">
+                  <a16:creationId xmlns:a16="http://schemas.microsoft.com/office/drawing/2014/main" id="{CEECBAE5-0351-AB50-D2D3-B33411432960}"/>
+                </a:ext>
+              </a:extLst>
+            </p:cNvPr>
+            <p:cNvSpPr/>
+            <p:nvPr/>
+          </p:nvSpPr>
+          <p:spPr>
+            <a:xfrm>
+              <a:off x="2895599" y="7203820"/>
+              <a:ext cx="3962399" cy="678645"/>
+            </a:xfrm>
+            <a:custGeom>
+              <a:avLst/>
+              <a:gdLst>
+                <a:gd name="connsiteX0" fmla="*/ 476250 w 2857500"/>
+                <a:gd name="connsiteY0" fmla="*/ 0 h 762000"/>
+                <a:gd name="connsiteX1" fmla="*/ 2381250 w 2857500"/>
+                <a:gd name="connsiteY1" fmla="*/ 0 h 762000"/>
+                <a:gd name="connsiteX2" fmla="*/ 2857500 w 2857500"/>
+                <a:gd name="connsiteY2" fmla="*/ 762000 h 762000"/>
+                <a:gd name="connsiteX3" fmla="*/ 0 w 2857500"/>
+                <a:gd name="connsiteY3" fmla="*/ 762000 h 762000"/>
+              </a:gdLst>
+              <a:ahLst/>
+              <a:cxnLst>
+                <a:cxn ang="0">
+                  <a:pos x="connsiteX0" y="connsiteY0"/>
+                </a:cxn>
+                <a:cxn ang="0">
+                  <a:pos x="connsiteX1" y="connsiteY1"/>
+                </a:cxn>
+                <a:cxn ang="0">
+                  <a:pos x="connsiteX2" y="connsiteY2"/>
+                </a:cxn>
+                <a:cxn ang="0">
+                  <a:pos x="connsiteX3" y="connsiteY3"/>
+                </a:cxn>
+              </a:cxnLst>
+              <a:rect l="l" t="t" r="r" b="b"/>
+              <a:pathLst>
+                <a:path w="2857500" h="762000">
+                  <a:moveTo>
+                    <a:pt x="476250" y="0"/>
+                  </a:moveTo>
+                  <a:lnTo>
+                    <a:pt x="2381250" y="0"/>
+                  </a:lnTo>
+                  <a:lnTo>
+                    <a:pt x="2857500" y="762000"/>
+                  </a:lnTo>
+                  <a:lnTo>
+                    <a:pt x="0" y="762000"/>
+                  </a:lnTo>
+                  <a:close/>
+                </a:path>
+              </a:pathLst>
+            </a:custGeom>
+            <a:solidFill>
+              <a:schemeClr val="bg2"/>
+            </a:solidFill>
+            <a:ln w="19050" cap="flat">
+              <a:solidFill>
+                <a:schemeClr val="accent1"/>
+              </a:solidFill>
+              <a:prstDash val="solid"/>
+              <a:miter/>
+            </a:ln>
+          </p:spPr>
+          <p:txBody>
+            <a:bodyPr rtlCol="0" anchor="ctr"/>
+            <a:lstStyle/>
+            <a:p>
+              <a:endParaRPr lang="en-CA"/>
+            </a:p>
+          </p:txBody>
+        </p:sp>
+        <p:sp>
+          <p:nvSpPr>
+            <p:cNvPr id="20" name="TextBox 19">
+              <a:extLst>
+                <a:ext uri="{FF2B5EF4-FFF2-40B4-BE49-F238E27FC236}">
+                  <a16:creationId xmlns:a16="http://schemas.microsoft.com/office/drawing/2014/main" id="{CF27923B-104B-F395-91AC-275D188164C2}"/>
+                </a:ext>
+              </a:extLst>
+            </p:cNvPr>
+            <p:cNvSpPr txBox="1"/>
+            <p:nvPr/>
+          </p:nvSpPr>
+          <p:spPr>
+            <a:xfrm>
+              <a:off x="4501028" y="7209893"/>
+              <a:ext cx="761748" cy="323165"/>
+            </a:xfrm>
+            <a:prstGeom prst="rect">
+              <a:avLst/>
+            </a:prstGeom>
+            <a:noFill/>
+          </p:spPr>
+          <p:txBody>
+            <a:bodyPr wrap="none" rtlCol="0">
+              <a:spAutoFit/>
+            </a:bodyPr>
+            <a:lstStyle/>
+            <a:p>
+              <a:pPr algn="ctr"/>
+              <a:r>
+                <a:rPr lang="en-CA" sz="1500" b="1" spc="0" baseline="0" dirty="0">
+                  <a:ln/>
+                  <a:solidFill>
+                    <a:schemeClr val="tx2"/>
+                  </a:solidFill>
+                  <a:latin typeface="Cinzel" panose="00000500000000000000" pitchFamily="2" charset="0"/>
+                  <a:cs typeface="Arial"/>
+                  <a:sym typeface="Arial"/>
+                  <a:rtl val="0"/>
+                </a:rPr>
+                <a:t>TIER 2</a:t>
+              </a:r>
+            </a:p>
+          </p:txBody>
+        </p:sp>
+        <p:sp>
+          <p:nvSpPr>
+            <p:cNvPr id="21" name="TextBox 20">
+              <a:extLst>
+                <a:ext uri="{FF2B5EF4-FFF2-40B4-BE49-F238E27FC236}">
+                  <a16:creationId xmlns:a16="http://schemas.microsoft.com/office/drawing/2014/main" id="{B28D94F9-94D9-1446-BD38-F53AD64A77F1}"/>
+                </a:ext>
+              </a:extLst>
+            </p:cNvPr>
+            <p:cNvSpPr txBox="1"/>
+            <p:nvPr/>
+          </p:nvSpPr>
+          <p:spPr>
+            <a:xfrm>
+              <a:off x="4076734" y="7454171"/>
+              <a:ext cx="1610335" cy="288345"/>
+            </a:xfrm>
+            <a:prstGeom prst="rect">
+              <a:avLst/>
+            </a:prstGeom>
+            <a:noFill/>
+          </p:spPr>
+          <p:txBody>
+            <a:bodyPr wrap="square" rtlCol="0">
+              <a:spAutoFit/>
+            </a:bodyPr>
+            <a:lstStyle/>
+            <a:p>
+              <a:pPr algn="ctr"/>
+              <a:r>
+                <a:rPr lang="en-CA" sz="1100" b="1" spc="0" baseline="0" dirty="0">
+                  <a:ln/>
+                  <a:solidFill>
+                    <a:srgbClr val="FFFFFF"/>
+                  </a:solidFill>
+                  <a:latin typeface="Futura Cyrillic Book" panose="020B0502020204020303" pitchFamily="34" charset="0"/>
+                  <a:cs typeface="Arial"/>
+                  <a:sym typeface="Arial"/>
+                  <a:rtl val="0"/>
+                </a:rPr>
+                <a:t>Standard Users &amp; Public Communications</a:t>
+              </a:r>
+            </a:p>
+          </p:txBody>
+        </p:sp>
+        <p:sp>
+          <p:nvSpPr>
+            <p:cNvPr id="22" name="TextBox 21">
+              <a:extLst>
+                <a:ext uri="{FF2B5EF4-FFF2-40B4-BE49-F238E27FC236}">
+                  <a16:creationId xmlns:a16="http://schemas.microsoft.com/office/drawing/2014/main" id="{1AD91FE6-A917-65EA-944D-9C1FBD4D6141}"/>
+                </a:ext>
+              </a:extLst>
+            </p:cNvPr>
+            <p:cNvSpPr txBox="1"/>
+            <p:nvPr/>
+          </p:nvSpPr>
+          <p:spPr>
+            <a:xfrm>
+              <a:off x="4279061" y="7596791"/>
+              <a:ext cx="1205685" cy="279865"/>
+            </a:xfrm>
+            <a:prstGeom prst="rect">
+              <a:avLst/>
+            </a:prstGeom>
+            <a:noFill/>
+          </p:spPr>
+          <p:txBody>
+            <a:bodyPr wrap="none" rtlCol="0">
+              <a:spAutoFit/>
+            </a:bodyPr>
+            <a:lstStyle/>
+            <a:p>
+              <a:pPr algn="ctr"/>
+              <a:r>
+                <a:rPr lang="en-CA" sz="1050" spc="0" baseline="0" dirty="0">
+                  <a:ln/>
+                  <a:solidFill>
+                    <a:srgbClr val="FFFFFF"/>
+                  </a:solidFill>
+                  <a:latin typeface="Futura Cyrillic Book" panose="020B0502020204020303" pitchFamily="34" charset="0"/>
+                  <a:cs typeface="Arial"/>
+                  <a:sym typeface="Arial"/>
+                  <a:rtl val="0"/>
+                </a:rPr>
+                <a:t>General Staff &amp; External Facing</a:t>
+              </a:r>
+            </a:p>
+          </p:txBody>
+        </p:sp>
+      </p:grpSp>
+      <p:grpSp>
+        <p:nvGrpSpPr>
+          <p:cNvPr id="75" name="Group 74">
+            <a:extLst>
+              <a:ext uri="{FF2B5EF4-FFF2-40B4-BE49-F238E27FC236}">
+                <a16:creationId xmlns:a16="http://schemas.microsoft.com/office/drawing/2014/main" id="{5CDA3372-4117-7EBB-D040-26283236C6B9}"/>
+              </a:ext>
+            </a:extLst>
+          </p:cNvPr>
+          <p:cNvGrpSpPr/>
+          <p:nvPr/>
+        </p:nvGrpSpPr>
+        <p:grpSpPr>
+          <a:xfrm>
+            <a:off x="3572340" y="5263027"/>
+            <a:ext cx="2603760" cy="1063276"/>
+            <a:chOff x="3994392" y="5282535"/>
+            <a:chExt cx="1764815" cy="1281438"/>
+          </a:xfrm>
+        </p:grpSpPr>
+        <p:sp>
+          <p:nvSpPr>
+            <p:cNvPr id="10" name="Freeform: Shape 9">
+              <a:extLst>
+                <a:ext uri="{FF2B5EF4-FFF2-40B4-BE49-F238E27FC236}">
+                  <a16:creationId xmlns:a16="http://schemas.microsoft.com/office/drawing/2014/main" id="{0DE81782-D4A5-CD99-3ACF-1DC661FC9629}"/>
+                </a:ext>
+              </a:extLst>
+            </p:cNvPr>
+            <p:cNvSpPr/>
+            <p:nvPr/>
+          </p:nvSpPr>
+          <p:spPr>
+            <a:xfrm>
+              <a:off x="3994392" y="5282535"/>
+              <a:ext cx="1764815" cy="1281438"/>
+            </a:xfrm>
+            <a:custGeom>
+              <a:avLst/>
+              <a:gdLst>
+                <a:gd name="connsiteX0" fmla="*/ 952500 w 1905000"/>
+                <a:gd name="connsiteY0" fmla="*/ 0 h 952500"/>
+                <a:gd name="connsiteX1" fmla="*/ 0 w 1905000"/>
+                <a:gd name="connsiteY1" fmla="*/ 952500 h 952500"/>
+                <a:gd name="connsiteX2" fmla="*/ 1905000 w 1905000"/>
+                <a:gd name="connsiteY2" fmla="*/ 952500 h 952500"/>
+              </a:gdLst>
+              <a:ahLst/>
+              <a:cxnLst>
+                <a:cxn ang="0">
+                  <a:pos x="connsiteX0" y="connsiteY0"/>
+                </a:cxn>
+                <a:cxn ang="0">
+                  <a:pos x="connsiteX1" y="connsiteY1"/>
+                </a:cxn>
+                <a:cxn ang="0">
+                  <a:pos x="connsiteX2" y="connsiteY2"/>
+                </a:cxn>
+              </a:cxnLst>
+              <a:rect l="l" t="t" r="r" b="b"/>
+              <a:pathLst>
+                <a:path w="1905000" h="952500">
+                  <a:moveTo>
+                    <a:pt x="952500" y="0"/>
+                  </a:moveTo>
+                  <a:lnTo>
+                    <a:pt x="0" y="952500"/>
+                  </a:lnTo>
+                  <a:lnTo>
+                    <a:pt x="1905000" y="952500"/>
+                  </a:lnTo>
+                  <a:close/>
+                </a:path>
+              </a:pathLst>
+            </a:custGeom>
+            <a:gradFill>
+              <a:gsLst>
+                <a:gs pos="0">
+                  <a:srgbClr val="0A1F44"/>
+                </a:gs>
+                <a:gs pos="50000">
+                  <a:srgbClr val="122C57"/>
+                </a:gs>
+                <a:gs pos="100000">
+                  <a:srgbClr val="1A3A6B"/>
+                </a:gs>
+              </a:gsLst>
+              <a:lin ang="2700000" scaled="1"/>
+            </a:gradFill>
+            <a:ln w="19050" cap="flat">
+              <a:solidFill>
+                <a:srgbClr val="DAB86E"/>
+              </a:solidFill>
+              <a:prstDash val="solid"/>
+              <a:miter/>
+            </a:ln>
+          </p:spPr>
+          <p:txBody>
+            <a:bodyPr rtlCol="0" anchor="ctr"/>
+            <a:lstStyle/>
+            <a:p>
+              <a:endParaRPr lang="en-CA"/>
+            </a:p>
+          </p:txBody>
+        </p:sp>
+        <p:sp>
+          <p:nvSpPr>
+            <p:cNvPr id="14" name="TextBox 13">
+              <a:extLst>
+                <a:ext uri="{FF2B5EF4-FFF2-40B4-BE49-F238E27FC236}">
+                  <a16:creationId xmlns:a16="http://schemas.microsoft.com/office/drawing/2014/main" id="{C4D27996-24BD-6711-EB0F-F4A7B4C9F33B}"/>
+                </a:ext>
+              </a:extLst>
+            </p:cNvPr>
+            <p:cNvSpPr txBox="1"/>
+            <p:nvPr/>
+          </p:nvSpPr>
+          <p:spPr>
+            <a:xfrm>
+              <a:off x="4468446" y="5928322"/>
+              <a:ext cx="771365" cy="323165"/>
+            </a:xfrm>
+            <a:prstGeom prst="rect">
+              <a:avLst/>
+            </a:prstGeom>
+            <a:noFill/>
+          </p:spPr>
+          <p:txBody>
+            <a:bodyPr wrap="none" rtlCol="0" anchor="ctr" anchorCtr="0">
+              <a:spAutoFit/>
+            </a:bodyPr>
+            <a:lstStyle/>
+            <a:p>
+              <a:pPr algn="ctr"/>
+              <a:r>
+                <a:rPr lang="en-CA" sz="1500" b="1" spc="0" baseline="0" dirty="0">
+                  <a:ln/>
+                  <a:solidFill>
+                    <a:schemeClr val="accent1"/>
+                  </a:solidFill>
+                  <a:latin typeface="Cinzel" panose="00000500000000000000" pitchFamily="2" charset="0"/>
+                  <a:cs typeface="Arial"/>
+                  <a:sym typeface="Arial"/>
+                  <a:rtl val="0"/>
+                </a:rPr>
+                <a:t>TIER 0</a:t>
+              </a:r>
+            </a:p>
+          </p:txBody>
+        </p:sp>
+        <p:sp>
+          <p:nvSpPr>
+            <p:cNvPr id="15" name="TextBox 14">
+              <a:extLst>
+                <a:ext uri="{FF2B5EF4-FFF2-40B4-BE49-F238E27FC236}">
+                  <a16:creationId xmlns:a16="http://schemas.microsoft.com/office/drawing/2014/main" id="{5F381DFF-1BB0-1A84-5786-55C80EA2B4F4}"/>
+                </a:ext>
+              </a:extLst>
+            </p:cNvPr>
+            <p:cNvSpPr txBox="1"/>
+            <p:nvPr/>
+          </p:nvSpPr>
+          <p:spPr>
+            <a:xfrm>
+              <a:off x="4158264" y="6204707"/>
+              <a:ext cx="1391727" cy="230832"/>
+            </a:xfrm>
+            <a:prstGeom prst="rect">
+              <a:avLst/>
+            </a:prstGeom>
+            <a:noFill/>
+          </p:spPr>
+          <p:txBody>
+            <a:bodyPr wrap="none" rtlCol="0" anchor="ctr" anchorCtr="0">
+              <a:spAutoFit/>
+            </a:bodyPr>
+            <a:lstStyle/>
+            <a:p>
+              <a:pPr algn="ctr"/>
+              <a:r>
+                <a:rPr lang="en-CA" sz="900" b="1" spc="0" baseline="0" dirty="0">
+                  <a:ln/>
+                  <a:solidFill>
+                    <a:srgbClr val="FFFFFF"/>
+                  </a:solidFill>
+                  <a:latin typeface="Futura Cyrillic Book" panose="020B0502020204020303" pitchFamily="34" charset="0"/>
+                  <a:cs typeface="Arial"/>
+                  <a:sym typeface="Arial"/>
+                  <a:rtl val="0"/>
+                </a:rPr>
+                <a:t>Business Critical Executives</a:t>
+              </a:r>
+            </a:p>
+          </p:txBody>
+        </p:sp>
+        <p:sp>
+          <p:nvSpPr>
+            <p:cNvPr id="16" name="TextBox 15">
+              <a:extLst>
+                <a:ext uri="{FF2B5EF4-FFF2-40B4-BE49-F238E27FC236}">
+                  <a16:creationId xmlns:a16="http://schemas.microsoft.com/office/drawing/2014/main" id="{5C14609F-7FCC-F4AB-3FFF-C0F75D87EB38}"/>
+                </a:ext>
+              </a:extLst>
+            </p:cNvPr>
+            <p:cNvSpPr txBox="1"/>
+            <p:nvPr/>
+          </p:nvSpPr>
+          <p:spPr>
+            <a:xfrm>
+              <a:off x="4182834" y="6363851"/>
+              <a:ext cx="1342588" cy="181619"/>
+            </a:xfrm>
+            <a:prstGeom prst="rect">
+              <a:avLst/>
+            </a:prstGeom>
+            <a:noFill/>
+          </p:spPr>
+          <p:txBody>
+            <a:bodyPr wrap="square" rtlCol="0" anchor="ctr" anchorCtr="0">
+              <a:spAutoFit/>
+            </a:bodyPr>
+            <a:lstStyle/>
+            <a:p>
+              <a:pPr algn="ctr"/>
+              <a:r>
+                <a:rPr lang="en-CA" sz="825" spc="0" baseline="0" dirty="0">
+                  <a:ln/>
+                  <a:solidFill>
+                    <a:srgbClr val="FFFFFF"/>
+                  </a:solidFill>
+                  <a:latin typeface="Futura Cyrillic Book" panose="020B0502020204020303" pitchFamily="34" charset="0"/>
+                  <a:cs typeface="Arial"/>
+                  <a:sym typeface="Arial"/>
+                  <a:rtl val="0"/>
+                </a:rPr>
+                <a:t>C-Suite &amp; Board Members</a:t>
+              </a:r>
+            </a:p>
+          </p:txBody>
+        </p:sp>
+        <p:sp>
+          <p:nvSpPr>
+            <p:cNvPr id="55" name="Freeform 2">
+              <a:extLst>
+                <a:ext uri="{FF2B5EF4-FFF2-40B4-BE49-F238E27FC236}">
+                  <a16:creationId xmlns:a16="http://schemas.microsoft.com/office/drawing/2014/main" id="{3957BC92-C42D-26C6-8530-6C0B2B2755FA}"/>
+                </a:ext>
+              </a:extLst>
+            </p:cNvPr>
+            <p:cNvSpPr/>
+            <p:nvPr/>
+          </p:nvSpPr>
+          <p:spPr>
+            <a:xfrm>
+              <a:off x="4703477" y="5499864"/>
+              <a:ext cx="301301" cy="374451"/>
+            </a:xfrm>
+            <a:custGeom>
+              <a:avLst/>
+              <a:gdLst/>
+              <a:ahLst/>
+              <a:cxnLst/>
+              <a:rect l="l" t="t" r="r" b="b"/>
+              <a:pathLst>
+                <a:path w="2796773" h="3732913">
+                  <a:moveTo>
+                    <a:pt x="0" y="0"/>
+                  </a:moveTo>
+                  <a:lnTo>
+                    <a:pt x="2796773" y="0"/>
+                  </a:lnTo>
+                  <a:lnTo>
+                    <a:pt x="2796773" y="3732913"/>
+                  </a:lnTo>
+                  <a:lnTo>
+                    <a:pt x="0" y="3732913"/>
+                  </a:lnTo>
+                  <a:lnTo>
+                    <a:pt x="0" y="0"/>
+                  </a:lnTo>
+                  <a:close/>
+                </a:path>
+              </a:pathLst>
+            </a:custGeom>
+            <a:blipFill>
+              <a:blip r:embed="rId2"/>
+              <a:stretch>
+                <a:fillRect l="-35049" t="-30759" r="-35049" b="-60523"/>
+              </a:stretch>
+            </a:blipFill>
+          </p:spPr>
+          <p:txBody>
+            <a:bodyPr/>
+            <a:lstStyle/>
+            <a:p>
+              <a:endParaRPr lang="en-CA"/>
+            </a:p>
+          </p:txBody>
+        </p:sp>
+      </p:grpSp>
+      <p:grpSp>
+        <p:nvGrpSpPr>
+          <p:cNvPr id="82" name="Group 81">
+            <a:extLst>
+              <a:ext uri="{FF2B5EF4-FFF2-40B4-BE49-F238E27FC236}">
+                <a16:creationId xmlns:a16="http://schemas.microsoft.com/office/drawing/2014/main" id="{7EE6371D-42AF-E117-82D3-6129C3FFECD3}"/>
+              </a:ext>
+            </a:extLst>
+          </p:cNvPr>
+          <p:cNvGrpSpPr/>
+          <p:nvPr/>
+        </p:nvGrpSpPr>
+        <p:grpSpPr>
+          <a:xfrm>
+            <a:off x="190500" y="8113972"/>
+            <a:ext cx="9372600" cy="1163718"/>
+            <a:chOff x="2015413" y="8113972"/>
+            <a:chExt cx="6181320" cy="1163718"/>
+          </a:xfrm>
+        </p:grpSpPr>
+        <p:grpSp>
+          <p:nvGrpSpPr>
+            <p:cNvPr id="81" name="Group 80">
+              <a:extLst>
+                <a:ext uri="{FF2B5EF4-FFF2-40B4-BE49-F238E27FC236}">
+                  <a16:creationId xmlns:a16="http://schemas.microsoft.com/office/drawing/2014/main" id="{E2569425-939A-58FA-268F-12C5ADC4F29F}"/>
+                </a:ext>
+              </a:extLst>
+            </p:cNvPr>
+            <p:cNvGrpSpPr/>
+            <p:nvPr/>
+          </p:nvGrpSpPr>
+          <p:grpSpPr>
+            <a:xfrm>
+              <a:off x="4045340" y="8123779"/>
+              <a:ext cx="2000250" cy="1153911"/>
+              <a:chOff x="4045340" y="8123779"/>
+              <a:chExt cx="2000250" cy="1153911"/>
+            </a:xfrm>
+          </p:grpSpPr>
+          <p:grpSp>
+            <p:nvGrpSpPr>
+              <p:cNvPr id="80" name="Group 79">
+                <a:extLst>
+                  <a:ext uri="{FF2B5EF4-FFF2-40B4-BE49-F238E27FC236}">
+                    <a16:creationId xmlns:a16="http://schemas.microsoft.com/office/drawing/2014/main" id="{3971320F-C813-ECC3-3A31-3F8D3D8481AB}"/>
+                  </a:ext>
+                </a:extLst>
+              </p:cNvPr>
+              <p:cNvGrpSpPr/>
+              <p:nvPr/>
+            </p:nvGrpSpPr>
+            <p:grpSpPr>
+              <a:xfrm>
+                <a:off x="4045340" y="8144716"/>
+                <a:ext cx="2000250" cy="1132974"/>
+                <a:chOff x="4903624" y="8038259"/>
+                <a:chExt cx="2000250" cy="1428750"/>
+              </a:xfrm>
+            </p:grpSpPr>
+            <p:sp>
+              <p:nvSpPr>
+                <p:cNvPr id="33" name="Freeform: Shape 32">
+                  <a:extLst>
+                    <a:ext uri="{FF2B5EF4-FFF2-40B4-BE49-F238E27FC236}">
+                      <a16:creationId xmlns:a16="http://schemas.microsoft.com/office/drawing/2014/main" id="{3C299F15-7303-8777-C9BC-066DBD6D3790}"/>
+                    </a:ext>
+                  </a:extLst>
+                </p:cNvPr>
+                <p:cNvSpPr/>
+                <p:nvPr/>
+              </p:nvSpPr>
+              <p:spPr>
+                <a:xfrm>
+                  <a:off x="4903624" y="8038259"/>
+                  <a:ext cx="2000250" cy="1428750"/>
+                </a:xfrm>
+                <a:custGeom>
+                  <a:avLst/>
+                  <a:gdLst>
+                    <a:gd name="connsiteX0" fmla="*/ 1924050 w 2000250"/>
+                    <a:gd name="connsiteY0" fmla="*/ 0 h 1428750"/>
+                    <a:gd name="connsiteX1" fmla="*/ 2000250 w 2000250"/>
+                    <a:gd name="connsiteY1" fmla="*/ 0 h 1428750"/>
+                    <a:gd name="connsiteX2" fmla="*/ 2000250 w 2000250"/>
+                    <a:gd name="connsiteY2" fmla="*/ 1428750 h 1428750"/>
+                    <a:gd name="connsiteX3" fmla="*/ 1924050 w 2000250"/>
+                    <a:gd name="connsiteY3" fmla="*/ 1428750 h 1428750"/>
+                    <a:gd name="connsiteX4" fmla="*/ 76200 w 2000250"/>
+                    <a:gd name="connsiteY4" fmla="*/ 1428750 h 1428750"/>
+                    <a:gd name="connsiteX5" fmla="*/ 0 w 2000250"/>
+                    <a:gd name="connsiteY5" fmla="*/ 1428750 h 1428750"/>
+                    <a:gd name="connsiteX6" fmla="*/ 0 w 2000250"/>
+                    <a:gd name="connsiteY6" fmla="*/ 0 h 1428750"/>
+                    <a:gd name="connsiteX7" fmla="*/ 76200 w 2000250"/>
+                    <a:gd name="connsiteY7" fmla="*/ 0 h 1428750"/>
+                  </a:gdLst>
+                  <a:ahLst/>
+                  <a:cxnLst>
+                    <a:cxn ang="0">
+                      <a:pos x="connsiteX0" y="connsiteY0"/>
+                    </a:cxn>
+                    <a:cxn ang="0">
+                      <a:pos x="connsiteX1" y="connsiteY1"/>
+                    </a:cxn>
+                    <a:cxn ang="0">
+                      <a:pos x="connsiteX2" y="connsiteY2"/>
+                    </a:cxn>
+                    <a:cxn ang="0">
+                      <a:pos x="connsiteX3" y="connsiteY3"/>
+                    </a:cxn>
+                    <a:cxn ang="0">
+                      <a:pos x="connsiteX4" y="connsiteY4"/>
+                    </a:cxn>
+                    <a:cxn ang="0">
+                      <a:pos x="connsiteX5" y="connsiteY5"/>
+                    </a:cxn>
+                    <a:cxn ang="0">
+                      <a:pos x="connsiteX6" y="connsiteY6"/>
+                    </a:cxn>
+                    <a:cxn ang="0">
+                      <a:pos x="connsiteX7" y="connsiteY7"/>
+                    </a:cxn>
+                  </a:cxnLst>
+                  <a:rect l="l" t="t" r="r" b="b"/>
+                  <a:pathLst>
+                    <a:path w="2000250" h="1428750">
+                      <a:moveTo>
+                        <a:pt x="1924050" y="0"/>
+                      </a:moveTo>
+                      <a:cubicBezTo>
+                        <a:pt x="1966134" y="0"/>
+                        <a:pt x="2000250" y="0"/>
+                        <a:pt x="2000250" y="0"/>
+                      </a:cubicBezTo>
+                      <a:lnTo>
+                        <a:pt x="2000250" y="1428750"/>
+                      </a:lnTo>
+                      <a:cubicBezTo>
+                        <a:pt x="2000250" y="1428750"/>
+                        <a:pt x="1966134" y="1428750"/>
+                        <a:pt x="1924050" y="1428750"/>
+                      </a:cubicBezTo>
+                      <a:lnTo>
+                        <a:pt x="76200" y="1428750"/>
+                      </a:lnTo>
+                      <a:cubicBezTo>
+                        <a:pt x="34116" y="1428750"/>
+                        <a:pt x="0" y="1428750"/>
+                        <a:pt x="0" y="1428750"/>
+                      </a:cubicBezTo>
+                      <a:lnTo>
+                        <a:pt x="0" y="0"/>
+                      </a:lnTo>
+                      <a:cubicBezTo>
+                        <a:pt x="0" y="0"/>
+                        <a:pt x="34116" y="0"/>
+                        <a:pt x="76200" y="0"/>
+                      </a:cubicBezTo>
+                      <a:close/>
+                    </a:path>
+                  </a:pathLst>
+                </a:custGeom>
+                <a:solidFill>
+                  <a:srgbClr val="FFFFFF"/>
+                </a:solidFill>
+                <a:ln w="19050" cap="flat">
+                  <a:solidFill>
+                    <a:srgbClr val="DAB86E"/>
+                  </a:solidFill>
+                  <a:prstDash val="solid"/>
+                  <a:miter/>
+                </a:ln>
+              </p:spPr>
+              <p:txBody>
+                <a:bodyPr rtlCol="0" anchor="ctr"/>
+                <a:lstStyle/>
+                <a:p>
+                  <a:endParaRPr lang="en-CA"/>
+                </a:p>
+              </p:txBody>
+            </p:sp>
+            <p:sp>
+              <p:nvSpPr>
+                <p:cNvPr id="34" name="Freeform: Shape 33">
+                  <a:extLst>
+                    <a:ext uri="{FF2B5EF4-FFF2-40B4-BE49-F238E27FC236}">
+                      <a16:creationId xmlns:a16="http://schemas.microsoft.com/office/drawing/2014/main" id="{2CFAD8A1-FFE0-0F5E-2945-B5AA7A6C53F8}"/>
+                    </a:ext>
+                  </a:extLst>
+                </p:cNvPr>
+                <p:cNvSpPr/>
+                <p:nvPr/>
+              </p:nvSpPr>
+              <p:spPr>
+                <a:xfrm>
+                  <a:off x="4903624" y="8038259"/>
+                  <a:ext cx="2000250" cy="238125"/>
+                </a:xfrm>
+                <a:custGeom>
+                  <a:avLst/>
+                  <a:gdLst>
+                    <a:gd name="connsiteX0" fmla="*/ 1924050 w 2000250"/>
+                    <a:gd name="connsiteY0" fmla="*/ 0 h 238125"/>
+                    <a:gd name="connsiteX1" fmla="*/ 2000250 w 2000250"/>
+                    <a:gd name="connsiteY1" fmla="*/ 0 h 238125"/>
+                    <a:gd name="connsiteX2" fmla="*/ 2000250 w 2000250"/>
+                    <a:gd name="connsiteY2" fmla="*/ 238125 h 238125"/>
+                    <a:gd name="connsiteX3" fmla="*/ 1924050 w 2000250"/>
+                    <a:gd name="connsiteY3" fmla="*/ 238125 h 238125"/>
+                    <a:gd name="connsiteX4" fmla="*/ 76200 w 2000250"/>
+                    <a:gd name="connsiteY4" fmla="*/ 238125 h 238125"/>
+                    <a:gd name="connsiteX5" fmla="*/ 0 w 2000250"/>
+                    <a:gd name="connsiteY5" fmla="*/ 238125 h 238125"/>
+                    <a:gd name="connsiteX6" fmla="*/ 0 w 2000250"/>
+                    <a:gd name="connsiteY6" fmla="*/ 0 h 238125"/>
+                    <a:gd name="connsiteX7" fmla="*/ 76200 w 2000250"/>
+                    <a:gd name="connsiteY7" fmla="*/ 0 h 238125"/>
+                  </a:gdLst>
+                  <a:ahLst/>
+                  <a:cxnLst>
+                    <a:cxn ang="0">
+                      <a:pos x="connsiteX0" y="connsiteY0"/>
+                    </a:cxn>
+                    <a:cxn ang="0">
+                      <a:pos x="connsiteX1" y="connsiteY1"/>
+                    </a:cxn>
+                    <a:cxn ang="0">
+                      <a:pos x="connsiteX2" y="connsiteY2"/>
+                    </a:cxn>
+                    <a:cxn ang="0">
+                      <a:pos x="connsiteX3" y="connsiteY3"/>
+                    </a:cxn>
+                    <a:cxn ang="0">
+                      <a:pos x="connsiteX4" y="connsiteY4"/>
+                    </a:cxn>
+                    <a:cxn ang="0">
+                      <a:pos x="connsiteX5" y="connsiteY5"/>
+                    </a:cxn>
+                    <a:cxn ang="0">
+                      <a:pos x="connsiteX6" y="connsiteY6"/>
+                    </a:cxn>
+                    <a:cxn ang="0">
+                      <a:pos x="connsiteX7" y="connsiteY7"/>
+                    </a:cxn>
+                  </a:cxnLst>
+                  <a:rect l="l" t="t" r="r" b="b"/>
+                  <a:pathLst>
+                    <a:path w="2000250" h="238125">
+                      <a:moveTo>
+                        <a:pt x="1924050" y="0"/>
+                      </a:moveTo>
+                      <a:cubicBezTo>
+                        <a:pt x="1966134" y="0"/>
+                        <a:pt x="2000250" y="0"/>
+                        <a:pt x="2000250" y="0"/>
+                      </a:cubicBezTo>
+                      <a:lnTo>
+                        <a:pt x="2000250" y="238125"/>
+                      </a:lnTo>
+                      <a:cubicBezTo>
+                        <a:pt x="2000250" y="238125"/>
+                        <a:pt x="1966134" y="238125"/>
+                        <a:pt x="1924050" y="238125"/>
+                      </a:cubicBezTo>
+                      <a:lnTo>
+                        <a:pt x="76200" y="238125"/>
+                      </a:lnTo>
+                      <a:cubicBezTo>
+                        <a:pt x="34116" y="238125"/>
+                        <a:pt x="0" y="238125"/>
+                        <a:pt x="0" y="238125"/>
+                      </a:cubicBezTo>
+                      <a:lnTo>
+                        <a:pt x="0" y="0"/>
+                      </a:lnTo>
+                      <a:cubicBezTo>
+                        <a:pt x="0" y="0"/>
+                        <a:pt x="34116" y="0"/>
+                        <a:pt x="76200" y="0"/>
+                      </a:cubicBezTo>
+                      <a:close/>
+                    </a:path>
+                  </a:pathLst>
+                </a:custGeom>
+                <a:solidFill>
+                  <a:srgbClr val="DAB86E"/>
+                </a:solidFill>
+                <a:ln w="9525" cap="flat">
+                  <a:noFill/>
+                  <a:prstDash val="solid"/>
+                  <a:miter/>
+                </a:ln>
+              </p:spPr>
+              <p:txBody>
+                <a:bodyPr rtlCol="0" anchor="ctr"/>
+                <a:lstStyle/>
+                <a:p>
+                  <a:endParaRPr lang="en-CA"/>
+                </a:p>
+              </p:txBody>
+            </p:sp>
+          </p:grpSp>
+          <p:grpSp>
+            <p:nvGrpSpPr>
+              <p:cNvPr id="71" name="Group 70">
+                <a:extLst>
+                  <a:ext uri="{FF2B5EF4-FFF2-40B4-BE49-F238E27FC236}">
+                    <a16:creationId xmlns:a16="http://schemas.microsoft.com/office/drawing/2014/main" id="{8CFCBF61-38A4-1AFD-7E3F-6805B16E1DDF}"/>
+                  </a:ext>
+                </a:extLst>
+              </p:cNvPr>
+              <p:cNvGrpSpPr/>
+              <p:nvPr/>
+            </p:nvGrpSpPr>
+            <p:grpSpPr>
+              <a:xfrm>
+                <a:off x="4070209" y="8123779"/>
+                <a:ext cx="1884491" cy="1118100"/>
+                <a:chOff x="4905670" y="8055497"/>
+                <a:chExt cx="1649579" cy="1187289"/>
+              </a:xfrm>
+            </p:grpSpPr>
+            <p:sp>
+              <p:nvSpPr>
+                <p:cNvPr id="35" name="TextBox 34">
+                  <a:extLst>
+                    <a:ext uri="{FF2B5EF4-FFF2-40B4-BE49-F238E27FC236}">
+                      <a16:creationId xmlns:a16="http://schemas.microsoft.com/office/drawing/2014/main" id="{3C45887C-C90B-1112-7EED-13560A96B4FA}"/>
+                    </a:ext>
+                  </a:extLst>
+                </p:cNvPr>
+                <p:cNvSpPr txBox="1"/>
+                <p:nvPr/>
+              </p:nvSpPr>
+              <p:spPr>
+                <a:xfrm>
+                  <a:off x="5148160" y="8055497"/>
+                  <a:ext cx="1190178" cy="269628"/>
+                </a:xfrm>
+                <a:prstGeom prst="rect">
+                  <a:avLst/>
+                </a:prstGeom>
+                <a:noFill/>
+              </p:spPr>
+              <p:txBody>
+                <a:bodyPr wrap="none" rtlCol="0" anchor="ctr">
+                  <a:spAutoFit/>
+                </a:bodyPr>
+                <a:lstStyle/>
+                <a:p>
+                  <a:pPr algn="l"/>
+                  <a:r>
+                    <a:rPr lang="en-CA" sz="1050" b="1" dirty="0">
+                      <a:ln/>
+                      <a:solidFill>
+                        <a:schemeClr val="bg2"/>
+                      </a:solidFill>
+                      <a:latin typeface="Futura Cyrillic Demi" panose="020B0702020204020303" pitchFamily="34" charset="0"/>
+                      <a:ea typeface="Segoe UI Emoji"/>
+                      <a:cs typeface="Arial"/>
+                      <a:sym typeface="Segoe UI Emoji"/>
+                      <a:rtl val="0"/>
+                    </a:rPr>
+                    <a:t>⚖️</a:t>
+                  </a:r>
+                  <a:r>
+                    <a:rPr lang="en-CA" sz="1050" b="1" dirty="0">
+                      <a:ln/>
+                      <a:solidFill>
+                        <a:schemeClr val="bg2"/>
+                      </a:solidFill>
+                      <a:latin typeface="Futura Cyrillic Demi" panose="020B0702020204020303" pitchFamily="34" charset="0"/>
+                      <a:ea typeface="Segoe UI Emoji"/>
+                      <a:cs typeface="Arial"/>
+                      <a:sym typeface="Arial"/>
+                      <a:rtl val="0"/>
+                    </a:rPr>
+                    <a:t> TIER 1 Protection</a:t>
+                  </a:r>
+                </a:p>
+              </p:txBody>
+            </p:sp>
+            <p:grpSp>
+              <p:nvGrpSpPr>
+                <p:cNvPr id="70" name="Group 69">
+                  <a:extLst>
+                    <a:ext uri="{FF2B5EF4-FFF2-40B4-BE49-F238E27FC236}">
+                      <a16:creationId xmlns:a16="http://schemas.microsoft.com/office/drawing/2014/main" id="{86A9751E-9837-DD1F-2533-23C17E79B1B5}"/>
+                    </a:ext>
+                  </a:extLst>
+                </p:cNvPr>
+                <p:cNvGrpSpPr/>
+                <p:nvPr/>
+              </p:nvGrpSpPr>
+              <p:grpSpPr>
+                <a:xfrm>
+                  <a:off x="4905670" y="8271904"/>
+                  <a:ext cx="1649579" cy="970882"/>
+                  <a:chOff x="4905670" y="8271904"/>
+                  <a:chExt cx="1649579" cy="970882"/>
+                </a:xfrm>
+              </p:grpSpPr>
+              <p:sp>
+                <p:nvSpPr>
+                  <p:cNvPr id="36" name="TextBox 35">
+                    <a:extLst>
+                      <a:ext uri="{FF2B5EF4-FFF2-40B4-BE49-F238E27FC236}">
+                        <a16:creationId xmlns:a16="http://schemas.microsoft.com/office/drawing/2014/main" id="{228603B7-CA37-4F66-A46E-D6EEF2E4428B}"/>
+                      </a:ext>
+                    </a:extLst>
+                  </p:cNvPr>
+                  <p:cNvSpPr txBox="1"/>
+                  <p:nvPr/>
+                </p:nvSpPr>
+                <p:spPr>
+                  <a:xfrm>
+                    <a:off x="4907434" y="8271904"/>
+                    <a:ext cx="852011" cy="232861"/>
+                  </a:xfrm>
+                  <a:prstGeom prst="rect">
+                    <a:avLst/>
+                  </a:prstGeom>
+                  <a:noFill/>
+                </p:spPr>
+                <p:txBody>
+                  <a:bodyPr wrap="none" rtlCol="0" anchor="ctr">
+                    <a:spAutoFit/>
+                  </a:bodyPr>
+                  <a:lstStyle/>
+                  <a:p>
+                    <a:pPr algn="l"/>
+                    <a:r>
+                      <a:rPr lang="en-CA" sz="825" b="1" spc="0" baseline="0" dirty="0">
+                        <a:ln/>
+                        <a:solidFill>
+                          <a:srgbClr val="0A1F44"/>
+                        </a:solidFill>
+                        <a:latin typeface="Futura Cyrillic Book" panose="020B0502020204020303" pitchFamily="34" charset="0"/>
+                        <a:cs typeface="Arial"/>
+                        <a:sym typeface="Arial"/>
+                        <a:rtl val="0"/>
+                      </a:rPr>
+                      <a:t>Enhanced Security:</a:t>
+                    </a:r>
+                  </a:p>
+                </p:txBody>
+              </p:sp>
+              <p:sp>
+                <p:nvSpPr>
+                  <p:cNvPr id="37" name="TextBox 36">
+                    <a:extLst>
+                      <a:ext uri="{FF2B5EF4-FFF2-40B4-BE49-F238E27FC236}">
+                        <a16:creationId xmlns:a16="http://schemas.microsoft.com/office/drawing/2014/main" id="{BA9B45B6-00AD-A179-A772-2F491DC87DF4}"/>
+                      </a:ext>
+                    </a:extLst>
+                  </p:cNvPr>
+                  <p:cNvSpPr txBox="1"/>
+                  <p:nvPr/>
+                </p:nvSpPr>
+                <p:spPr>
+                  <a:xfrm>
+                    <a:off x="4907434" y="8423759"/>
+                    <a:ext cx="1479809" cy="220605"/>
+                  </a:xfrm>
+                  <a:prstGeom prst="rect">
+                    <a:avLst/>
+                  </a:prstGeom>
+                  <a:noFill/>
+                </p:spPr>
+                <p:txBody>
+                  <a:bodyPr wrap="square" rtlCol="0" anchor="ctr">
+                    <a:spAutoFit/>
+                  </a:bodyPr>
+                  <a:lstStyle/>
+                  <a:p>
+                    <a:pPr algn="l"/>
+                    <a:r>
+                      <a:rPr lang="en-CA" sz="750" spc="0" baseline="0" dirty="0">
+                        <a:ln/>
+                        <a:solidFill>
+                          <a:srgbClr val="333333"/>
+                        </a:solidFill>
+                        <a:latin typeface="Futura Cyrillic Book" panose="020B0502020204020303" pitchFamily="34" charset="0"/>
+                        <a:cs typeface="Arial"/>
+                        <a:sym typeface="Arial"/>
+                        <a:rtl val="0"/>
+                      </a:rPr>
+                      <a:t>• Streamlined verification</a:t>
+                    </a:r>
+                  </a:p>
+                </p:txBody>
+              </p:sp>
+              <p:sp>
+                <p:nvSpPr>
+                  <p:cNvPr id="38" name="TextBox 37">
+                    <a:extLst>
+                      <a:ext uri="{FF2B5EF4-FFF2-40B4-BE49-F238E27FC236}">
+                        <a16:creationId xmlns:a16="http://schemas.microsoft.com/office/drawing/2014/main" id="{14CF2CB1-53E2-E44B-15EA-225C0D16C47B}"/>
+                      </a:ext>
+                    </a:extLst>
+                  </p:cNvPr>
+                  <p:cNvSpPr txBox="1"/>
+                  <p:nvPr/>
+                </p:nvSpPr>
+                <p:spPr>
+                  <a:xfrm>
+                    <a:off x="4905673" y="8524536"/>
+                    <a:ext cx="1649576" cy="220605"/>
+                  </a:xfrm>
+                  <a:prstGeom prst="rect">
+                    <a:avLst/>
+                  </a:prstGeom>
+                  <a:noFill/>
+                </p:spPr>
+                <p:txBody>
+                  <a:bodyPr wrap="square" rtlCol="0" anchor="ctr">
+                    <a:spAutoFit/>
+                  </a:bodyPr>
+                  <a:lstStyle/>
+                  <a:p>
+                    <a:pPr algn="l"/>
+                    <a:r>
+                      <a:rPr lang="en-CA" sz="750" spc="0" baseline="0" dirty="0">
+                        <a:ln/>
+                        <a:solidFill>
+                          <a:srgbClr val="333333"/>
+                        </a:solidFill>
+                        <a:latin typeface="Futura Cyrillic Book" panose="020B0502020204020303" pitchFamily="34" charset="0"/>
+                        <a:cs typeface="Arial"/>
+                        <a:sym typeface="Arial"/>
+                        <a:rtl val="0"/>
+                      </a:rPr>
+                      <a:t>• Department-level protocols</a:t>
+                    </a:r>
+                  </a:p>
+                </p:txBody>
+              </p:sp>
+              <p:sp>
+                <p:nvSpPr>
+                  <p:cNvPr id="39" name="TextBox 38">
+                    <a:extLst>
+                      <a:ext uri="{FF2B5EF4-FFF2-40B4-BE49-F238E27FC236}">
+                        <a16:creationId xmlns:a16="http://schemas.microsoft.com/office/drawing/2014/main" id="{9B63D39E-100E-D5A4-B849-E859CCE1F43E}"/>
+                      </a:ext>
+                    </a:extLst>
+                  </p:cNvPr>
+                  <p:cNvSpPr txBox="1"/>
+                  <p:nvPr/>
+                </p:nvSpPr>
+                <p:spPr>
+                  <a:xfrm>
+                    <a:off x="4905670" y="8634064"/>
+                    <a:ext cx="1532356" cy="220605"/>
+                  </a:xfrm>
+                  <a:prstGeom prst="rect">
+                    <a:avLst/>
+                  </a:prstGeom>
+                  <a:noFill/>
+                </p:spPr>
+                <p:txBody>
+                  <a:bodyPr wrap="square" rtlCol="0" anchor="ctr">
+                    <a:spAutoFit/>
+                  </a:bodyPr>
+                  <a:lstStyle/>
+                  <a:p>
+                    <a:pPr algn="l"/>
+                    <a:r>
+                      <a:rPr lang="en-CA" sz="750" spc="0" baseline="0" dirty="0">
+                        <a:ln/>
+                        <a:solidFill>
+                          <a:srgbClr val="333333"/>
+                        </a:solidFill>
+                        <a:latin typeface="Futura Cyrillic Book" panose="020B0502020204020303" pitchFamily="34" charset="0"/>
+                        <a:cs typeface="Arial"/>
+                        <a:sym typeface="Arial"/>
+                        <a:rtl val="0"/>
+                      </a:rPr>
+                      <a:t>• Regular training updates</a:t>
+                    </a:r>
+                  </a:p>
+                </p:txBody>
+              </p:sp>
+              <p:sp>
+                <p:nvSpPr>
+                  <p:cNvPr id="40" name="TextBox 39">
+                    <a:extLst>
+                      <a:ext uri="{FF2B5EF4-FFF2-40B4-BE49-F238E27FC236}">
+                        <a16:creationId xmlns:a16="http://schemas.microsoft.com/office/drawing/2014/main" id="{97881E17-23B4-0B67-B1DC-24E1A9694AF8}"/>
+                      </a:ext>
+                    </a:extLst>
+                  </p:cNvPr>
+                  <p:cNvSpPr txBox="1"/>
+                  <p:nvPr/>
+                </p:nvSpPr>
+                <p:spPr>
+                  <a:xfrm>
+                    <a:off x="4909178" y="8750781"/>
+                    <a:ext cx="1344399" cy="220605"/>
+                  </a:xfrm>
+                  <a:prstGeom prst="rect">
+                    <a:avLst/>
+                  </a:prstGeom>
+                  <a:noFill/>
+                </p:spPr>
+                <p:txBody>
+                  <a:bodyPr wrap="square" rtlCol="0" anchor="ctr">
+                    <a:spAutoFit/>
+                  </a:bodyPr>
+                  <a:lstStyle/>
+                  <a:p>
+                    <a:pPr algn="l"/>
+                    <a:r>
+                      <a:rPr lang="en-CA" sz="750" spc="0" baseline="0" dirty="0">
+                        <a:ln/>
+                        <a:solidFill>
+                          <a:srgbClr val="333333"/>
+                        </a:solidFill>
+                        <a:latin typeface="Futura Cyrillic Book" panose="020B0502020204020303" pitchFamily="34" charset="0"/>
+                        <a:cs typeface="Arial"/>
+                        <a:sym typeface="Arial"/>
+                        <a:rtl val="0"/>
+                      </a:rPr>
+                      <a:t>• Escalation pathways</a:t>
+                    </a:r>
+                  </a:p>
+                </p:txBody>
+              </p:sp>
+              <p:sp>
+                <p:nvSpPr>
+                  <p:cNvPr id="41" name="TextBox 40">
+                    <a:extLst>
+                      <a:ext uri="{FF2B5EF4-FFF2-40B4-BE49-F238E27FC236}">
+                        <a16:creationId xmlns:a16="http://schemas.microsoft.com/office/drawing/2014/main" id="{8828BA73-E3B8-BD1C-79AE-C91B3E663091}"/>
+                      </a:ext>
+                    </a:extLst>
+                  </p:cNvPr>
+                  <p:cNvSpPr txBox="1"/>
+                  <p:nvPr/>
+                </p:nvSpPr>
+                <p:spPr>
+                  <a:xfrm>
+                    <a:off x="4914269" y="8922759"/>
+                    <a:ext cx="1326285" cy="208349"/>
+                  </a:xfrm>
+                  <a:prstGeom prst="rect">
+                    <a:avLst/>
+                  </a:prstGeom>
+                  <a:noFill/>
+                </p:spPr>
+                <p:txBody>
+                  <a:bodyPr wrap="none" rtlCol="0" anchor="ctr">
+                    <a:spAutoFit/>
+                  </a:bodyPr>
+                  <a:lstStyle/>
+                  <a:p>
+                    <a:pPr algn="l"/>
+                    <a:r>
+                      <a:rPr lang="en-CA" sz="675" i="1" spc="0" baseline="0" dirty="0">
+                        <a:ln/>
+                        <a:solidFill>
+                          <a:srgbClr val="666666"/>
+                        </a:solidFill>
+                        <a:latin typeface="Futura Cyrillic Book" panose="020B0502020204020303" pitchFamily="34" charset="0"/>
+                        <a:cs typeface="Arial"/>
+                        <a:sym typeface="Arial"/>
+                        <a:rtl val="0"/>
+                      </a:rPr>
+                      <a:t>Examples: VPs, Directors with significant</a:t>
+                    </a:r>
+                  </a:p>
+                </p:txBody>
+              </p:sp>
+              <p:sp>
+                <p:nvSpPr>
+                  <p:cNvPr id="42" name="TextBox 41">
+                    <a:extLst>
+                      <a:ext uri="{FF2B5EF4-FFF2-40B4-BE49-F238E27FC236}">
+                        <a16:creationId xmlns:a16="http://schemas.microsoft.com/office/drawing/2014/main" id="{19E7DEE6-7046-C7E3-A6E9-5E95719ACD7A}"/>
+                      </a:ext>
+                    </a:extLst>
+                  </p:cNvPr>
+                  <p:cNvSpPr txBox="1"/>
+                  <p:nvPr/>
+                </p:nvSpPr>
+                <p:spPr>
+                  <a:xfrm>
+                    <a:off x="4924135" y="9034437"/>
+                    <a:ext cx="951637" cy="208349"/>
+                  </a:xfrm>
+                  <a:prstGeom prst="rect">
+                    <a:avLst/>
+                  </a:prstGeom>
+                  <a:noFill/>
+                </p:spPr>
+                <p:txBody>
+                  <a:bodyPr wrap="none" rtlCol="0" anchor="ctr">
+                    <a:spAutoFit/>
+                  </a:bodyPr>
+                  <a:lstStyle/>
+                  <a:p>
+                    <a:pPr algn="l"/>
+                    <a:r>
+                      <a:rPr lang="en-CA" sz="675" i="1" spc="0" baseline="0" dirty="0">
+                        <a:ln/>
+                        <a:solidFill>
+                          <a:srgbClr val="666666"/>
+                        </a:solidFill>
+                        <a:latin typeface="Futura Cyrillic Book" panose="020B0502020204020303" pitchFamily="34" charset="0"/>
+                        <a:cs typeface="Arial"/>
+                        <a:sym typeface="Arial"/>
+                        <a:rtl val="0"/>
+                      </a:rPr>
+                      <a:t>authority but contained risk</a:t>
+                    </a:r>
+                  </a:p>
+                </p:txBody>
+              </p:sp>
+            </p:grpSp>
+          </p:grpSp>
+        </p:grpSp>
+        <p:grpSp>
+          <p:nvGrpSpPr>
+            <p:cNvPr id="79" name="Group 78">
+              <a:extLst>
+                <a:ext uri="{FF2B5EF4-FFF2-40B4-BE49-F238E27FC236}">
+                  <a16:creationId xmlns:a16="http://schemas.microsoft.com/office/drawing/2014/main" id="{74FAE5D1-BA38-FDD9-8C59-3CF897EC35DA}"/>
+                </a:ext>
+              </a:extLst>
+            </p:cNvPr>
+            <p:cNvGrpSpPr/>
+            <p:nvPr/>
+          </p:nvGrpSpPr>
+          <p:grpSpPr>
+            <a:xfrm>
+              <a:off x="6196483" y="8113972"/>
+              <a:ext cx="2000250" cy="1163718"/>
+              <a:chOff x="7237249" y="8020090"/>
+              <a:chExt cx="2000250" cy="1446919"/>
+            </a:xfrm>
+          </p:grpSpPr>
+          <p:sp>
+            <p:nvSpPr>
+              <p:cNvPr id="43" name="Freeform: Shape 42">
+                <a:extLst>
+                  <a:ext uri="{FF2B5EF4-FFF2-40B4-BE49-F238E27FC236}">
+                    <a16:creationId xmlns:a16="http://schemas.microsoft.com/office/drawing/2014/main" id="{C9C5244B-7777-9274-4154-47A611EEBEFC}"/>
+                  </a:ext>
+                </a:extLst>
+              </p:cNvPr>
+              <p:cNvSpPr/>
+              <p:nvPr/>
+            </p:nvSpPr>
+            <p:spPr>
+              <a:xfrm>
+                <a:off x="7237249" y="8038259"/>
+                <a:ext cx="2000250" cy="1428750"/>
+              </a:xfrm>
+              <a:custGeom>
+                <a:avLst/>
+                <a:gdLst>
+                  <a:gd name="connsiteX0" fmla="*/ 1924050 w 2000250"/>
+                  <a:gd name="connsiteY0" fmla="*/ 0 h 1428750"/>
+                  <a:gd name="connsiteX1" fmla="*/ 2000250 w 2000250"/>
+                  <a:gd name="connsiteY1" fmla="*/ 0 h 1428750"/>
+                  <a:gd name="connsiteX2" fmla="*/ 2000250 w 2000250"/>
+                  <a:gd name="connsiteY2" fmla="*/ 1428750 h 1428750"/>
+                  <a:gd name="connsiteX3" fmla="*/ 1924050 w 2000250"/>
+                  <a:gd name="connsiteY3" fmla="*/ 1428750 h 1428750"/>
+                  <a:gd name="connsiteX4" fmla="*/ 76200 w 2000250"/>
+                  <a:gd name="connsiteY4" fmla="*/ 1428750 h 1428750"/>
+                  <a:gd name="connsiteX5" fmla="*/ 0 w 2000250"/>
+                  <a:gd name="connsiteY5" fmla="*/ 1428750 h 1428750"/>
+                  <a:gd name="connsiteX6" fmla="*/ 0 w 2000250"/>
+                  <a:gd name="connsiteY6" fmla="*/ 0 h 1428750"/>
+                  <a:gd name="connsiteX7" fmla="*/ 76200 w 2000250"/>
+                  <a:gd name="connsiteY7" fmla="*/ 0 h 1428750"/>
+                </a:gdLst>
+                <a:ahLst/>
+                <a:cxnLst>
+                  <a:cxn ang="0">
+                    <a:pos x="connsiteX0" y="connsiteY0"/>
+                  </a:cxn>
+                  <a:cxn ang="0">
+                    <a:pos x="connsiteX1" y="connsiteY1"/>
+                  </a:cxn>
+                  <a:cxn ang="0">
+                    <a:pos x="connsiteX2" y="connsiteY2"/>
+                  </a:cxn>
+                  <a:cxn ang="0">
+                    <a:pos x="connsiteX3" y="connsiteY3"/>
+                  </a:cxn>
+                  <a:cxn ang="0">
+                    <a:pos x="connsiteX4" y="connsiteY4"/>
+                  </a:cxn>
+                  <a:cxn ang="0">
+                    <a:pos x="connsiteX5" y="connsiteY5"/>
+                  </a:cxn>
+                  <a:cxn ang="0">
+                    <a:pos x="connsiteX6" y="connsiteY6"/>
+                  </a:cxn>
+                  <a:cxn ang="0">
+                    <a:pos x="connsiteX7" y="connsiteY7"/>
+                  </a:cxn>
+                </a:cxnLst>
+                <a:rect l="l" t="t" r="r" b="b"/>
+                <a:pathLst>
+                  <a:path w="2000250" h="1428750">
+                    <a:moveTo>
+                      <a:pt x="1924050" y="0"/>
+                    </a:moveTo>
+                    <a:cubicBezTo>
+                      <a:pt x="1966134" y="0"/>
+                      <a:pt x="2000250" y="0"/>
+                      <a:pt x="2000250" y="0"/>
+                    </a:cubicBezTo>
+                    <a:lnTo>
+                      <a:pt x="2000250" y="1428750"/>
+                    </a:lnTo>
+                    <a:cubicBezTo>
+                      <a:pt x="2000250" y="1428750"/>
+                      <a:pt x="1966134" y="1428750"/>
+                      <a:pt x="1924050" y="1428750"/>
+                    </a:cubicBezTo>
+                    <a:lnTo>
+                      <a:pt x="76200" y="1428750"/>
+                    </a:lnTo>
+                    <a:cubicBezTo>
+                      <a:pt x="34116" y="1428750"/>
+                      <a:pt x="0" y="1428750"/>
+                      <a:pt x="0" y="1428750"/>
+                    </a:cubicBezTo>
+                    <a:lnTo>
+                      <a:pt x="0" y="0"/>
+                    </a:lnTo>
+                    <a:cubicBezTo>
+                      <a:pt x="0" y="0"/>
+                      <a:pt x="34116" y="0"/>
+                      <a:pt x="76200" y="0"/>
+                    </a:cubicBezTo>
+                    <a:close/>
+                  </a:path>
+                </a:pathLst>
+              </a:custGeom>
+              <a:solidFill>
+                <a:srgbClr val="FFFFFF"/>
+              </a:solidFill>
+              <a:ln w="19050" cap="flat">
+                <a:solidFill>
+                  <a:schemeClr val="bg2"/>
+                </a:solidFill>
+                <a:prstDash val="solid"/>
+                <a:miter/>
+              </a:ln>
+            </p:spPr>
+            <p:txBody>
+              <a:bodyPr rtlCol="0" anchor="ctr"/>
+              <a:lstStyle/>
+              <a:p>
+                <a:endParaRPr lang="en-CA"/>
+              </a:p>
+            </p:txBody>
+          </p:sp>
+          <p:sp>
+            <p:nvSpPr>
+              <p:cNvPr id="44" name="Freeform: Shape 43">
+                <a:extLst>
+                  <a:ext uri="{FF2B5EF4-FFF2-40B4-BE49-F238E27FC236}">
+                    <a16:creationId xmlns:a16="http://schemas.microsoft.com/office/drawing/2014/main" id="{18DDFD94-EA46-C9EC-F28E-E29C37D89F6E}"/>
+                  </a:ext>
+                </a:extLst>
+              </p:cNvPr>
+              <p:cNvSpPr/>
+              <p:nvPr/>
+            </p:nvSpPr>
+            <p:spPr>
+              <a:xfrm>
+                <a:off x="7237249" y="8038259"/>
+                <a:ext cx="2000250" cy="238125"/>
+              </a:xfrm>
+              <a:custGeom>
+                <a:avLst/>
+                <a:gdLst>
+                  <a:gd name="connsiteX0" fmla="*/ 1924050 w 2000250"/>
+                  <a:gd name="connsiteY0" fmla="*/ 0 h 238125"/>
+                  <a:gd name="connsiteX1" fmla="*/ 2000250 w 2000250"/>
+                  <a:gd name="connsiteY1" fmla="*/ 0 h 238125"/>
+                  <a:gd name="connsiteX2" fmla="*/ 2000250 w 2000250"/>
+                  <a:gd name="connsiteY2" fmla="*/ 238125 h 238125"/>
+                  <a:gd name="connsiteX3" fmla="*/ 1924050 w 2000250"/>
+                  <a:gd name="connsiteY3" fmla="*/ 238125 h 238125"/>
+                  <a:gd name="connsiteX4" fmla="*/ 76200 w 2000250"/>
+                  <a:gd name="connsiteY4" fmla="*/ 238125 h 238125"/>
+                  <a:gd name="connsiteX5" fmla="*/ 0 w 2000250"/>
+                  <a:gd name="connsiteY5" fmla="*/ 238125 h 238125"/>
+                  <a:gd name="connsiteX6" fmla="*/ 0 w 2000250"/>
+                  <a:gd name="connsiteY6" fmla="*/ 0 h 238125"/>
+                  <a:gd name="connsiteX7" fmla="*/ 76200 w 2000250"/>
+                  <a:gd name="connsiteY7" fmla="*/ 0 h 238125"/>
+                </a:gdLst>
+                <a:ahLst/>
+                <a:cxnLst>
+                  <a:cxn ang="0">
+                    <a:pos x="connsiteX0" y="connsiteY0"/>
+                  </a:cxn>
+                  <a:cxn ang="0">
+                    <a:pos x="connsiteX1" y="connsiteY1"/>
+                  </a:cxn>
+                  <a:cxn ang="0">
+                    <a:pos x="connsiteX2" y="connsiteY2"/>
+                  </a:cxn>
+                  <a:cxn ang="0">
+                    <a:pos x="connsiteX3" y="connsiteY3"/>
+                  </a:cxn>
+                  <a:cxn ang="0">
+                    <a:pos x="connsiteX4" y="connsiteY4"/>
+                  </a:cxn>
+                  <a:cxn ang="0">
+                    <a:pos x="connsiteX5" y="connsiteY5"/>
+                  </a:cxn>
+                  <a:cxn ang="0">
+                    <a:pos x="connsiteX6" y="connsiteY6"/>
+                  </a:cxn>
+                  <a:cxn ang="0">
+                    <a:pos x="connsiteX7" y="connsiteY7"/>
+                  </a:cxn>
+                </a:cxnLst>
+                <a:rect l="l" t="t" r="r" b="b"/>
+                <a:pathLst>
+                  <a:path w="2000250" h="238125">
+                    <a:moveTo>
+                      <a:pt x="1924050" y="0"/>
+                    </a:moveTo>
+                    <a:cubicBezTo>
+                      <a:pt x="1966134" y="0"/>
+                      <a:pt x="2000250" y="0"/>
+                      <a:pt x="2000250" y="0"/>
+                    </a:cubicBezTo>
+                    <a:lnTo>
+                      <a:pt x="2000250" y="238125"/>
+                    </a:lnTo>
+                    <a:cubicBezTo>
+                      <a:pt x="2000250" y="238125"/>
+                      <a:pt x="1966134" y="238125"/>
+                      <a:pt x="1924050" y="238125"/>
+                    </a:cubicBezTo>
+                    <a:lnTo>
+                      <a:pt x="76200" y="238125"/>
+                    </a:lnTo>
+                    <a:cubicBezTo>
+                      <a:pt x="34116" y="238125"/>
+                      <a:pt x="0" y="238125"/>
+                      <a:pt x="0" y="238125"/>
+                    </a:cubicBezTo>
+                    <a:lnTo>
+                      <a:pt x="0" y="0"/>
+                    </a:lnTo>
+                    <a:cubicBezTo>
+                      <a:pt x="0" y="0"/>
+                      <a:pt x="34116" y="0"/>
+                      <a:pt x="76200" y="0"/>
+                    </a:cubicBezTo>
+                    <a:close/>
+                  </a:path>
+                </a:pathLst>
+              </a:custGeom>
+              <a:solidFill>
+                <a:schemeClr val="bg2"/>
+              </a:solidFill>
+              <a:ln w="9525" cap="flat">
+                <a:solidFill>
+                  <a:schemeClr val="bg2"/>
+                </a:solidFill>
+                <a:prstDash val="solid"/>
+                <a:miter/>
+              </a:ln>
+            </p:spPr>
+            <p:txBody>
+              <a:bodyPr rtlCol="0" anchor="ctr"/>
+              <a:lstStyle/>
+              <a:p>
+                <a:endParaRPr lang="en-CA"/>
+              </a:p>
+            </p:txBody>
+          </p:sp>
+          <p:grpSp>
+            <p:nvGrpSpPr>
+              <p:cNvPr id="78" name="Group 77">
+                <a:extLst>
+                  <a:ext uri="{FF2B5EF4-FFF2-40B4-BE49-F238E27FC236}">
+                    <a16:creationId xmlns:a16="http://schemas.microsoft.com/office/drawing/2014/main" id="{58EC26E5-3C81-C49C-C980-17961661652C}"/>
+                  </a:ext>
+                </a:extLst>
+              </p:cNvPr>
+              <p:cNvGrpSpPr/>
+              <p:nvPr/>
+            </p:nvGrpSpPr>
+            <p:grpSpPr>
+              <a:xfrm>
+                <a:off x="7241059" y="8020090"/>
+                <a:ext cx="1595067" cy="1400802"/>
+                <a:chOff x="7241059" y="8020090"/>
+                <a:chExt cx="1595067" cy="1400802"/>
+              </a:xfrm>
+            </p:grpSpPr>
+            <p:sp>
+              <p:nvSpPr>
+                <p:cNvPr id="45" name="TextBox 44">
+                  <a:extLst>
+                    <a:ext uri="{FF2B5EF4-FFF2-40B4-BE49-F238E27FC236}">
+                      <a16:creationId xmlns:a16="http://schemas.microsoft.com/office/drawing/2014/main" id="{5AF92BA0-C986-D941-D50F-11421BEBC5F7}"/>
+                    </a:ext>
+                  </a:extLst>
+                </p:cNvPr>
+                <p:cNvSpPr txBox="1"/>
+                <p:nvPr/>
+              </p:nvSpPr>
+              <p:spPr>
+                <a:xfrm>
+                  <a:off x="7476458" y="8020090"/>
+                  <a:ext cx="1359668" cy="315709"/>
+                </a:xfrm>
+                <a:prstGeom prst="rect">
+                  <a:avLst/>
+                </a:prstGeom>
+                <a:noFill/>
+              </p:spPr>
+              <p:txBody>
+                <a:bodyPr wrap="none" rtlCol="0" anchor="ctr">
+                  <a:spAutoFit/>
+                </a:bodyPr>
+                <a:lstStyle/>
+                <a:p>
+                  <a:pPr algn="l"/>
+                  <a:r>
+                    <a:rPr lang="en-CA" sz="1050" b="1" dirty="0">
+                      <a:ln/>
+                      <a:solidFill>
+                        <a:schemeClr val="accent1"/>
+                      </a:solidFill>
+                      <a:latin typeface="Futura Cyrillic Demi" panose="020B0702020204020303" pitchFamily="34" charset="0"/>
+                      <a:ea typeface="Segoe UI Emoji"/>
+                      <a:cs typeface="Arial"/>
+                      <a:sym typeface="Segoe UI Emoji"/>
+                      <a:rtl val="0"/>
+                    </a:rPr>
+                    <a:t>👥</a:t>
+                  </a:r>
+                  <a:r>
+                    <a:rPr lang="en-CA" sz="1050" b="1" dirty="0">
+                      <a:ln/>
+                      <a:solidFill>
+                        <a:schemeClr val="accent1"/>
+                      </a:solidFill>
+                      <a:latin typeface="Futura Cyrillic Demi" panose="020B0702020204020303" pitchFamily="34" charset="0"/>
+                      <a:ea typeface="Segoe UI Emoji"/>
+                      <a:cs typeface="Arial"/>
+                      <a:sym typeface="Arial"/>
+                      <a:rtl val="0"/>
+                    </a:rPr>
+                    <a:t> </a:t>
+                  </a:r>
+                  <a:r>
+                    <a:rPr lang="en-CA" sz="1050" b="1" dirty="0">
+                      <a:ln/>
+                      <a:solidFill>
+                        <a:schemeClr val="accent4"/>
+                      </a:solidFill>
+                      <a:latin typeface="Futura Cyrillic Demi" panose="020B0702020204020303" pitchFamily="34" charset="0"/>
+                      <a:ea typeface="Segoe UI Emoji"/>
+                      <a:cs typeface="Arial"/>
+                      <a:sym typeface="Arial"/>
+                      <a:rtl val="0"/>
+                    </a:rPr>
+                    <a:t>TIER 2 Protection</a:t>
+                  </a:r>
+                </a:p>
+              </p:txBody>
+            </p:sp>
+            <p:sp>
+              <p:nvSpPr>
+                <p:cNvPr id="46" name="TextBox 45">
+                  <a:extLst>
+                    <a:ext uri="{FF2B5EF4-FFF2-40B4-BE49-F238E27FC236}">
+                      <a16:creationId xmlns:a16="http://schemas.microsoft.com/office/drawing/2014/main" id="{2AF951A9-4C95-BA69-5BF4-5B83108F3DDD}"/>
+                    </a:ext>
+                  </a:extLst>
+                </p:cNvPr>
+                <p:cNvSpPr txBox="1"/>
+                <p:nvPr/>
+              </p:nvSpPr>
+              <p:spPr>
+                <a:xfrm>
+                  <a:off x="7241059" y="8246605"/>
+                  <a:ext cx="963725" cy="272657"/>
+                </a:xfrm>
+                <a:prstGeom prst="rect">
+                  <a:avLst/>
+                </a:prstGeom>
+                <a:noFill/>
+              </p:spPr>
+              <p:txBody>
+                <a:bodyPr wrap="none" rtlCol="0" anchor="ctr">
+                  <a:spAutoFit/>
+                </a:bodyPr>
+                <a:lstStyle/>
+                <a:p>
+                  <a:pPr algn="l"/>
+                  <a:r>
+                    <a:rPr lang="en-CA" sz="825" spc="0" baseline="0" dirty="0">
+                      <a:ln/>
+                      <a:solidFill>
+                        <a:srgbClr val="0A1F44"/>
+                      </a:solidFill>
+                      <a:latin typeface="Futura Cyrillic Medium" panose="020B0602020204020303" pitchFamily="34" charset="0"/>
+                      <a:cs typeface="Arial"/>
+                      <a:sym typeface="Arial"/>
+                      <a:rtl val="0"/>
+                    </a:rPr>
+                    <a:t>Standard Security:</a:t>
+                  </a:r>
+                </a:p>
+              </p:txBody>
+            </p:sp>
+            <p:sp>
+              <p:nvSpPr>
+                <p:cNvPr id="47" name="TextBox 46">
+                  <a:extLst>
+                    <a:ext uri="{FF2B5EF4-FFF2-40B4-BE49-F238E27FC236}">
+                      <a16:creationId xmlns:a16="http://schemas.microsoft.com/office/drawing/2014/main" id="{147FC2A0-18BC-10A6-4B4A-252C1B1CB8C6}"/>
+                    </a:ext>
+                  </a:extLst>
+                </p:cNvPr>
+                <p:cNvSpPr txBox="1"/>
+                <p:nvPr/>
+              </p:nvSpPr>
+              <p:spPr>
+                <a:xfrm>
+                  <a:off x="7241059" y="8404907"/>
+                  <a:ext cx="1059906" cy="258307"/>
+                </a:xfrm>
+                <a:prstGeom prst="rect">
+                  <a:avLst/>
+                </a:prstGeom>
+                <a:noFill/>
+              </p:spPr>
+              <p:txBody>
+                <a:bodyPr wrap="none" rtlCol="0" anchor="ctr">
+                  <a:spAutoFit/>
+                </a:bodyPr>
+                <a:lstStyle/>
+                <a:p>
+                  <a:pPr algn="l"/>
+                  <a:r>
+                    <a:rPr lang="en-CA" sz="750" spc="0" baseline="0" dirty="0">
+                      <a:ln/>
+                      <a:solidFill>
+                        <a:srgbClr val="333333"/>
+                      </a:solidFill>
+                      <a:latin typeface="Futura Cyrillic Book" panose="020B0502020204020303" pitchFamily="34" charset="0"/>
+                      <a:cs typeface="Arial"/>
+                      <a:sym typeface="Arial"/>
+                      <a:rtl val="0"/>
+                    </a:rPr>
+                    <a:t>• Basic detection tools</a:t>
+                  </a:r>
+                </a:p>
+              </p:txBody>
+            </p:sp>
+            <p:sp>
+              <p:nvSpPr>
+                <p:cNvPr id="48" name="TextBox 47">
+                  <a:extLst>
+                    <a:ext uri="{FF2B5EF4-FFF2-40B4-BE49-F238E27FC236}">
+                      <a16:creationId xmlns:a16="http://schemas.microsoft.com/office/drawing/2014/main" id="{B723A26D-C026-C9CA-B137-E54E2D50CA95}"/>
+                    </a:ext>
+                  </a:extLst>
+                </p:cNvPr>
+                <p:cNvSpPr txBox="1"/>
+                <p:nvPr/>
+              </p:nvSpPr>
+              <p:spPr>
+                <a:xfrm>
+                  <a:off x="7241059" y="8547783"/>
+                  <a:ext cx="1010213" cy="258307"/>
+                </a:xfrm>
+                <a:prstGeom prst="rect">
+                  <a:avLst/>
+                </a:prstGeom>
+                <a:noFill/>
+              </p:spPr>
+              <p:txBody>
+                <a:bodyPr wrap="none" rtlCol="0" anchor="ctr">
+                  <a:spAutoFit/>
+                </a:bodyPr>
+                <a:lstStyle/>
+                <a:p>
+                  <a:pPr algn="l"/>
+                  <a:r>
+                    <a:rPr lang="en-CA" sz="750" spc="0" baseline="0">
+                      <a:ln/>
+                      <a:solidFill>
+                        <a:srgbClr val="333333"/>
+                      </a:solidFill>
+                      <a:latin typeface="Futura Cyrillic Book" panose="020B0502020204020303" pitchFamily="34" charset="0"/>
+                      <a:cs typeface="Arial"/>
+                      <a:sym typeface="Arial"/>
+                      <a:rtl val="0"/>
+                    </a:rPr>
+                    <a:t>• Awareness training</a:t>
+                  </a:r>
+                </a:p>
+              </p:txBody>
+            </p:sp>
+            <p:sp>
+              <p:nvSpPr>
+                <p:cNvPr id="49" name="TextBox 48">
+                  <a:extLst>
+                    <a:ext uri="{FF2B5EF4-FFF2-40B4-BE49-F238E27FC236}">
+                      <a16:creationId xmlns:a16="http://schemas.microsoft.com/office/drawing/2014/main" id="{3A589984-7CC9-83E4-E0A2-1E732C6A73AE}"/>
+                    </a:ext>
+                  </a:extLst>
+                </p:cNvPr>
+                <p:cNvSpPr txBox="1"/>
+                <p:nvPr/>
+              </p:nvSpPr>
+              <p:spPr>
+                <a:xfrm>
+                  <a:off x="7241059" y="8690657"/>
+                  <a:ext cx="1079142" cy="258307"/>
+                </a:xfrm>
+                <a:prstGeom prst="rect">
+                  <a:avLst/>
+                </a:prstGeom>
+                <a:noFill/>
+              </p:spPr>
+              <p:txBody>
+                <a:bodyPr wrap="none" rtlCol="0" anchor="ctr">
+                  <a:spAutoFit/>
+                </a:bodyPr>
+                <a:lstStyle/>
+                <a:p>
+                  <a:pPr algn="l"/>
+                  <a:r>
+                    <a:rPr lang="en-CA" sz="750" spc="0" baseline="0" dirty="0">
+                      <a:ln/>
+                      <a:solidFill>
+                        <a:srgbClr val="333333"/>
+                      </a:solidFill>
+                      <a:latin typeface="Futura Cyrillic Book" panose="020B0502020204020303" pitchFamily="34" charset="0"/>
+                      <a:cs typeface="Arial"/>
+                      <a:sym typeface="Arial"/>
+                      <a:rtl val="0"/>
+                    </a:rPr>
+                    <a:t>• Standard verification</a:t>
+                  </a:r>
+                </a:p>
+              </p:txBody>
+            </p:sp>
+            <p:sp>
+              <p:nvSpPr>
+                <p:cNvPr id="50" name="TextBox 49">
+                  <a:extLst>
+                    <a:ext uri="{FF2B5EF4-FFF2-40B4-BE49-F238E27FC236}">
+                      <a16:creationId xmlns:a16="http://schemas.microsoft.com/office/drawing/2014/main" id="{06F71DC9-0603-754F-593E-6945667DE2A0}"/>
+                    </a:ext>
+                  </a:extLst>
+                </p:cNvPr>
+                <p:cNvSpPr txBox="1"/>
+                <p:nvPr/>
+              </p:nvSpPr>
+              <p:spPr>
+                <a:xfrm>
+                  <a:off x="7241059" y="8833533"/>
+                  <a:ext cx="958917" cy="258307"/>
+                </a:xfrm>
+                <a:prstGeom prst="rect">
+                  <a:avLst/>
+                </a:prstGeom>
+                <a:noFill/>
+              </p:spPr>
+              <p:txBody>
+                <a:bodyPr wrap="none" rtlCol="0" anchor="ctr">
+                  <a:spAutoFit/>
+                </a:bodyPr>
+                <a:lstStyle/>
+                <a:p>
+                  <a:pPr algn="l"/>
+                  <a:r>
+                    <a:rPr lang="en-CA" sz="750" spc="0" baseline="0">
+                      <a:ln/>
+                      <a:solidFill>
+                        <a:srgbClr val="333333"/>
+                      </a:solidFill>
+                      <a:latin typeface="Futura Cyrillic Book" panose="020B0502020204020303" pitchFamily="34" charset="0"/>
+                      <a:cs typeface="Arial"/>
+                      <a:sym typeface="Arial"/>
+                      <a:rtl val="0"/>
+                    </a:rPr>
+                    <a:t>• Incident reporting</a:t>
+                  </a:r>
+                </a:p>
+              </p:txBody>
+            </p:sp>
+            <p:sp>
+              <p:nvSpPr>
+                <p:cNvPr id="51" name="TextBox 50">
+                  <a:extLst>
+                    <a:ext uri="{FF2B5EF4-FFF2-40B4-BE49-F238E27FC236}">
+                      <a16:creationId xmlns:a16="http://schemas.microsoft.com/office/drawing/2014/main" id="{E579D97E-9EEE-5DE6-3BD5-4553FA0EDC64}"/>
+                    </a:ext>
+                  </a:extLst>
+                </p:cNvPr>
+                <p:cNvSpPr txBox="1"/>
+                <p:nvPr/>
+              </p:nvSpPr>
+              <p:spPr>
+                <a:xfrm>
+                  <a:off x="7241059" y="9034061"/>
+                  <a:ext cx="1324402" cy="243957"/>
+                </a:xfrm>
+                <a:prstGeom prst="rect">
+                  <a:avLst/>
+                </a:prstGeom>
+                <a:noFill/>
+              </p:spPr>
+              <p:txBody>
+                <a:bodyPr wrap="none" rtlCol="0" anchor="ctr">
+                  <a:spAutoFit/>
+                </a:bodyPr>
+                <a:lstStyle/>
+                <a:p>
+                  <a:pPr algn="l"/>
+                  <a:r>
+                    <a:rPr lang="en-CA" sz="675" i="1" spc="0" baseline="0">
+                      <a:ln/>
+                      <a:solidFill>
+                        <a:srgbClr val="666666"/>
+                      </a:solidFill>
+                      <a:latin typeface="Futura Cyrillic Book" panose="020B0502020204020303" pitchFamily="34" charset="0"/>
+                      <a:cs typeface="Arial"/>
+                      <a:sym typeface="Arial"/>
+                      <a:rtl val="0"/>
+                    </a:rPr>
+                    <a:t>Examples: General staff, customer</a:t>
+                  </a:r>
+                </a:p>
+              </p:txBody>
+            </p:sp>
+            <p:sp>
+              <p:nvSpPr>
+                <p:cNvPr id="52" name="TextBox 51">
+                  <a:extLst>
+                    <a:ext uri="{FF2B5EF4-FFF2-40B4-BE49-F238E27FC236}">
+                      <a16:creationId xmlns:a16="http://schemas.microsoft.com/office/drawing/2014/main" id="{276DA7B2-A388-684B-65E0-F4E7825C79E6}"/>
+                    </a:ext>
+                  </a:extLst>
+                </p:cNvPr>
+                <p:cNvSpPr txBox="1"/>
+                <p:nvPr/>
+              </p:nvSpPr>
+              <p:spPr>
+                <a:xfrm>
+                  <a:off x="7241059" y="9176935"/>
+                  <a:ext cx="1350050" cy="243957"/>
+                </a:xfrm>
+                <a:prstGeom prst="rect">
+                  <a:avLst/>
+                </a:prstGeom>
+                <a:noFill/>
+              </p:spPr>
+              <p:txBody>
+                <a:bodyPr wrap="none" rtlCol="0" anchor="ctr">
+                  <a:spAutoFit/>
+                </a:bodyPr>
+                <a:lstStyle/>
+                <a:p>
+                  <a:pPr algn="l"/>
+                  <a:r>
+                    <a:rPr lang="en-CA" sz="675" i="1" spc="0" baseline="0" dirty="0">
+                      <a:ln/>
+                      <a:solidFill>
+                        <a:srgbClr val="666666"/>
+                      </a:solidFill>
+                      <a:latin typeface="Futura Cyrillic Book" panose="020B0502020204020303" pitchFamily="34" charset="0"/>
+                      <a:cs typeface="Arial"/>
+                      <a:sym typeface="Arial"/>
+                      <a:rtl val="0"/>
+                    </a:rPr>
+                    <a:t>service with manageable exposure</a:t>
+                  </a:r>
+                </a:p>
+              </p:txBody>
+            </p:sp>
+          </p:grpSp>
+        </p:grpSp>
+        <p:sp>
+          <p:nvSpPr>
+            <p:cNvPr id="58" name="Freeform: Shape 57">
+              <a:extLst>
+                <a:ext uri="{FF2B5EF4-FFF2-40B4-BE49-F238E27FC236}">
+                  <a16:creationId xmlns:a16="http://schemas.microsoft.com/office/drawing/2014/main" id="{5234363D-D649-6C94-1F08-5297F768B814}"/>
+                </a:ext>
+              </a:extLst>
+            </p:cNvPr>
+            <p:cNvSpPr/>
+            <p:nvPr/>
+          </p:nvSpPr>
+          <p:spPr>
+            <a:xfrm>
+              <a:off x="2022726" y="8162094"/>
+              <a:ext cx="1871721" cy="1115596"/>
+            </a:xfrm>
+            <a:custGeom>
+              <a:avLst/>
+              <a:gdLst>
+                <a:gd name="connsiteX0" fmla="*/ 1924050 w 2000250"/>
+                <a:gd name="connsiteY0" fmla="*/ 0 h 1428750"/>
+                <a:gd name="connsiteX1" fmla="*/ 2000250 w 2000250"/>
+                <a:gd name="connsiteY1" fmla="*/ 0 h 1428750"/>
+                <a:gd name="connsiteX2" fmla="*/ 2000250 w 2000250"/>
+                <a:gd name="connsiteY2" fmla="*/ 1428750 h 1428750"/>
+                <a:gd name="connsiteX3" fmla="*/ 1924050 w 2000250"/>
+                <a:gd name="connsiteY3" fmla="*/ 1428750 h 1428750"/>
+                <a:gd name="connsiteX4" fmla="*/ 76200 w 2000250"/>
+                <a:gd name="connsiteY4" fmla="*/ 1428750 h 1428750"/>
+                <a:gd name="connsiteX5" fmla="*/ 0 w 2000250"/>
+                <a:gd name="connsiteY5" fmla="*/ 1428750 h 1428750"/>
+                <a:gd name="connsiteX6" fmla="*/ 0 w 2000250"/>
+                <a:gd name="connsiteY6" fmla="*/ 0 h 1428750"/>
+                <a:gd name="connsiteX7" fmla="*/ 76200 w 2000250"/>
+                <a:gd name="connsiteY7" fmla="*/ 0 h 1428750"/>
+              </a:gdLst>
+              <a:ahLst/>
+              <a:cxnLst>
+                <a:cxn ang="0">
+                  <a:pos x="connsiteX0" y="connsiteY0"/>
+                </a:cxn>
+                <a:cxn ang="0">
+                  <a:pos x="connsiteX1" y="connsiteY1"/>
+                </a:cxn>
+                <a:cxn ang="0">
+                  <a:pos x="connsiteX2" y="connsiteY2"/>
+                </a:cxn>
+                <a:cxn ang="0">
+                  <a:pos x="connsiteX3" y="connsiteY3"/>
+                </a:cxn>
+                <a:cxn ang="0">
+                  <a:pos x="connsiteX4" y="connsiteY4"/>
+                </a:cxn>
+                <a:cxn ang="0">
+                  <a:pos x="connsiteX5" y="connsiteY5"/>
+                </a:cxn>
+                <a:cxn ang="0">
+                  <a:pos x="connsiteX6" y="connsiteY6"/>
+                </a:cxn>
+                <a:cxn ang="0">
+                  <a:pos x="connsiteX7" y="connsiteY7"/>
+                </a:cxn>
+              </a:cxnLst>
+              <a:rect l="l" t="t" r="r" b="b"/>
+              <a:pathLst>
+                <a:path w="2000250" h="1428750">
+                  <a:moveTo>
+                    <a:pt x="1924050" y="0"/>
+                  </a:moveTo>
+                  <a:cubicBezTo>
+                    <a:pt x="1966134" y="0"/>
+                    <a:pt x="2000250" y="0"/>
+                    <a:pt x="2000250" y="0"/>
+                  </a:cubicBezTo>
+                  <a:lnTo>
+                    <a:pt x="2000250" y="1428750"/>
+                  </a:lnTo>
+                  <a:cubicBezTo>
+                    <a:pt x="2000250" y="1428750"/>
+                    <a:pt x="1966134" y="1428750"/>
+                    <a:pt x="1924050" y="1428750"/>
+                  </a:cubicBezTo>
+                  <a:lnTo>
+                    <a:pt x="76200" y="1428750"/>
+                  </a:lnTo>
+                  <a:cubicBezTo>
+                    <a:pt x="34116" y="1428750"/>
+                    <a:pt x="0" y="1428750"/>
+                    <a:pt x="0" y="1428750"/>
+                  </a:cubicBezTo>
+                  <a:lnTo>
+                    <a:pt x="0" y="0"/>
+                  </a:lnTo>
+                  <a:cubicBezTo>
+                    <a:pt x="0" y="0"/>
+                    <a:pt x="34116" y="0"/>
+                    <a:pt x="76200" y="0"/>
+                  </a:cubicBezTo>
+                  <a:close/>
+                </a:path>
+              </a:pathLst>
+            </a:custGeom>
+            <a:solidFill>
+              <a:srgbClr val="FFFFFF"/>
+            </a:solidFill>
+            <a:ln w="19050" cap="flat">
+              <a:solidFill>
+                <a:srgbClr val="0A1F44"/>
+              </a:solidFill>
+              <a:prstDash val="solid"/>
+              <a:miter/>
+            </a:ln>
+          </p:spPr>
+          <p:txBody>
+            <a:bodyPr rtlCol="0" anchor="ctr"/>
+            <a:lstStyle/>
+            <a:p>
+              <a:endParaRPr lang="en-CA"/>
+            </a:p>
+          </p:txBody>
+        </p:sp>
+        <p:sp>
+          <p:nvSpPr>
+            <p:cNvPr id="59" name="Freeform: Shape 58">
+              <a:extLst>
+                <a:ext uri="{FF2B5EF4-FFF2-40B4-BE49-F238E27FC236}">
+                  <a16:creationId xmlns:a16="http://schemas.microsoft.com/office/drawing/2014/main" id="{72375F66-97E9-3C6C-8C3F-41B2AC43B008}"/>
+                </a:ext>
+              </a:extLst>
+            </p:cNvPr>
+            <p:cNvSpPr/>
+            <p:nvPr/>
+          </p:nvSpPr>
+          <p:spPr>
+            <a:xfrm>
+              <a:off x="2015413" y="8169832"/>
+              <a:ext cx="1879034" cy="238125"/>
+            </a:xfrm>
+            <a:custGeom>
+              <a:avLst/>
+              <a:gdLst>
+                <a:gd name="connsiteX0" fmla="*/ 1924050 w 2000250"/>
+                <a:gd name="connsiteY0" fmla="*/ 0 h 238125"/>
+                <a:gd name="connsiteX1" fmla="*/ 2000250 w 2000250"/>
+                <a:gd name="connsiteY1" fmla="*/ 0 h 238125"/>
+                <a:gd name="connsiteX2" fmla="*/ 2000250 w 2000250"/>
+                <a:gd name="connsiteY2" fmla="*/ 238125 h 238125"/>
+                <a:gd name="connsiteX3" fmla="*/ 1924050 w 2000250"/>
+                <a:gd name="connsiteY3" fmla="*/ 238125 h 238125"/>
+                <a:gd name="connsiteX4" fmla="*/ 76200 w 2000250"/>
+                <a:gd name="connsiteY4" fmla="*/ 238125 h 238125"/>
+                <a:gd name="connsiteX5" fmla="*/ 0 w 2000250"/>
+                <a:gd name="connsiteY5" fmla="*/ 238125 h 238125"/>
+                <a:gd name="connsiteX6" fmla="*/ 0 w 2000250"/>
+                <a:gd name="connsiteY6" fmla="*/ 0 h 238125"/>
+                <a:gd name="connsiteX7" fmla="*/ 76200 w 2000250"/>
+                <a:gd name="connsiteY7" fmla="*/ 0 h 238125"/>
+              </a:gdLst>
+              <a:ahLst/>
+              <a:cxnLst>
+                <a:cxn ang="0">
+                  <a:pos x="connsiteX0" y="connsiteY0"/>
+                </a:cxn>
+                <a:cxn ang="0">
+                  <a:pos x="connsiteX1" y="connsiteY1"/>
+                </a:cxn>
+                <a:cxn ang="0">
+                  <a:pos x="connsiteX2" y="connsiteY2"/>
+                </a:cxn>
+                <a:cxn ang="0">
+                  <a:pos x="connsiteX3" y="connsiteY3"/>
+                </a:cxn>
+                <a:cxn ang="0">
+                  <a:pos x="connsiteX4" y="connsiteY4"/>
+                </a:cxn>
+                <a:cxn ang="0">
+                  <a:pos x="connsiteX5" y="connsiteY5"/>
+                </a:cxn>
+                <a:cxn ang="0">
+                  <a:pos x="connsiteX6" y="connsiteY6"/>
+                </a:cxn>
+                <a:cxn ang="0">
+                  <a:pos x="connsiteX7" y="connsiteY7"/>
+                </a:cxn>
+              </a:cxnLst>
+              <a:rect l="l" t="t" r="r" b="b"/>
+              <a:pathLst>
+                <a:path w="2000250" h="238125">
+                  <a:moveTo>
+                    <a:pt x="1924050" y="0"/>
+                  </a:moveTo>
+                  <a:cubicBezTo>
+                    <a:pt x="1966134" y="0"/>
+                    <a:pt x="2000250" y="0"/>
+                    <a:pt x="2000250" y="0"/>
+                  </a:cubicBezTo>
+                  <a:lnTo>
+                    <a:pt x="2000250" y="238125"/>
+                  </a:lnTo>
+                  <a:cubicBezTo>
+                    <a:pt x="2000250" y="238125"/>
+                    <a:pt x="1966134" y="238125"/>
+                    <a:pt x="1924050" y="238125"/>
+                  </a:cubicBezTo>
+                  <a:lnTo>
+                    <a:pt x="76200" y="238125"/>
+                  </a:lnTo>
+                  <a:cubicBezTo>
+                    <a:pt x="34116" y="238125"/>
+                    <a:pt x="0" y="238125"/>
+                    <a:pt x="0" y="238125"/>
+                  </a:cubicBezTo>
+                  <a:lnTo>
+                    <a:pt x="0" y="0"/>
+                  </a:lnTo>
+                  <a:cubicBezTo>
+                    <a:pt x="0" y="0"/>
+                    <a:pt x="34116" y="0"/>
+                    <a:pt x="76200" y="0"/>
+                  </a:cubicBezTo>
+                  <a:close/>
+                </a:path>
+              </a:pathLst>
+            </a:custGeom>
+            <a:solidFill>
+              <a:srgbClr val="0A1F44"/>
+            </a:solidFill>
+            <a:ln w="9525" cap="flat">
+              <a:noFill/>
+              <a:prstDash val="solid"/>
+              <a:miter/>
+            </a:ln>
+          </p:spPr>
+          <p:txBody>
+            <a:bodyPr rtlCol="0" anchor="ctr"/>
+            <a:lstStyle/>
+            <a:p>
+              <a:endParaRPr lang="en-CA"/>
+            </a:p>
+          </p:txBody>
+        </p:sp>
+        <p:sp>
+          <p:nvSpPr>
+            <p:cNvPr id="60" name="TextBox 59">
+              <a:extLst>
+                <a:ext uri="{FF2B5EF4-FFF2-40B4-BE49-F238E27FC236}">
+                  <a16:creationId xmlns:a16="http://schemas.microsoft.com/office/drawing/2014/main" id="{33461E61-98B4-09C1-27AC-D951A2392AA1}"/>
+                </a:ext>
+              </a:extLst>
+            </p:cNvPr>
+            <p:cNvSpPr txBox="1"/>
+            <p:nvPr/>
+          </p:nvSpPr>
+          <p:spPr>
+            <a:xfrm>
+              <a:off x="2208880" y="8163869"/>
+              <a:ext cx="1775078" cy="253916"/>
+            </a:xfrm>
+            <a:prstGeom prst="rect">
+              <a:avLst/>
+            </a:prstGeom>
+            <a:noFill/>
+          </p:spPr>
+          <p:txBody>
+            <a:bodyPr wrap="square" rtlCol="0" anchor="ctr">
+              <a:spAutoFit/>
+            </a:bodyPr>
+            <a:lstStyle/>
+            <a:p>
+              <a:pPr algn="l"/>
+              <a:r>
+                <a:rPr lang="en-CA" sz="1050" b="1" spc="0" baseline="0" dirty="0">
+                  <a:ln/>
+                  <a:solidFill>
+                    <a:schemeClr val="accent1"/>
+                  </a:solidFill>
+                  <a:latin typeface="Futura Cyrillic Demi" panose="020B0702020204020303" pitchFamily="34" charset="0"/>
+                  <a:ea typeface="Segoe UI Emoji"/>
+                  <a:cs typeface="Arial"/>
+                  <a:sym typeface="Arial"/>
+                  <a:rtl val="0"/>
+                </a:rPr>
+                <a:t>  TIER 0 Protection</a:t>
+              </a:r>
+            </a:p>
+          </p:txBody>
+        </p:sp>
+        <p:grpSp>
+          <p:nvGrpSpPr>
+            <p:cNvPr id="69" name="Group 68">
+              <a:extLst>
+                <a:ext uri="{FF2B5EF4-FFF2-40B4-BE49-F238E27FC236}">
+                  <a16:creationId xmlns:a16="http://schemas.microsoft.com/office/drawing/2014/main" id="{3D453C20-D3D4-5F33-3505-38DA5D0AA0E5}"/>
+                </a:ext>
+              </a:extLst>
+            </p:cNvPr>
+            <p:cNvGrpSpPr/>
+            <p:nvPr/>
+          </p:nvGrpSpPr>
+          <p:grpSpPr>
+            <a:xfrm>
+              <a:off x="2031053" y="8388956"/>
+              <a:ext cx="2101493" cy="875683"/>
+              <a:chOff x="2015412" y="8367729"/>
+              <a:chExt cx="2101493" cy="875683"/>
+            </a:xfrm>
+          </p:grpSpPr>
+          <p:sp>
+            <p:nvSpPr>
+              <p:cNvPr id="62" name="TextBox 61">
+                <a:extLst>
+                  <a:ext uri="{FF2B5EF4-FFF2-40B4-BE49-F238E27FC236}">
+                    <a16:creationId xmlns:a16="http://schemas.microsoft.com/office/drawing/2014/main" id="{D814FDF4-8274-56B8-5E69-079623974781}"/>
+                  </a:ext>
+                </a:extLst>
+              </p:cNvPr>
+              <p:cNvSpPr txBox="1"/>
+              <p:nvPr/>
+            </p:nvSpPr>
+            <p:spPr>
+              <a:xfrm>
+                <a:off x="2026629" y="8367729"/>
+                <a:ext cx="1582551" cy="219291"/>
+              </a:xfrm>
+              <a:prstGeom prst="rect">
+                <a:avLst/>
+              </a:prstGeom>
+              <a:noFill/>
+            </p:spPr>
+            <p:txBody>
+              <a:bodyPr wrap="square" rtlCol="0" anchor="ctr">
+                <a:spAutoFit/>
+              </a:bodyPr>
+              <a:lstStyle/>
+              <a:p>
+                <a:pPr algn="l"/>
+                <a:r>
+                  <a:rPr lang="en-CA" sz="825" b="1" spc="0" baseline="0" dirty="0">
+                    <a:ln/>
+                    <a:solidFill>
+                      <a:srgbClr val="0A1F44"/>
+                    </a:solidFill>
+                    <a:latin typeface="Futura Cyrillic Book" panose="020B0502020204020303" pitchFamily="34" charset="0"/>
+                    <a:cs typeface="Arial"/>
+                    <a:sym typeface="Arial"/>
+                    <a:rtl val="0"/>
+                  </a:rPr>
+                  <a:t>Maximum Security:</a:t>
+                </a:r>
+              </a:p>
+            </p:txBody>
+          </p:sp>
+          <p:sp>
+            <p:nvSpPr>
+              <p:cNvPr id="63" name="TextBox 62">
+                <a:extLst>
+                  <a:ext uri="{FF2B5EF4-FFF2-40B4-BE49-F238E27FC236}">
+                    <a16:creationId xmlns:a16="http://schemas.microsoft.com/office/drawing/2014/main" id="{CFD3F284-EDD6-4FAC-14F7-F1E502A66920}"/>
+                  </a:ext>
+                </a:extLst>
+              </p:cNvPr>
+              <p:cNvSpPr txBox="1"/>
+              <p:nvPr/>
+            </p:nvSpPr>
+            <p:spPr>
+              <a:xfrm>
+                <a:off x="2015413" y="8516268"/>
+                <a:ext cx="1998645" cy="207749"/>
+              </a:xfrm>
+              <a:prstGeom prst="rect">
+                <a:avLst/>
+              </a:prstGeom>
+              <a:noFill/>
+            </p:spPr>
+            <p:txBody>
+              <a:bodyPr wrap="square" rtlCol="0" anchor="ctr">
+                <a:spAutoFit/>
+              </a:bodyPr>
+              <a:lstStyle/>
+              <a:p>
+                <a:pPr algn="l"/>
+                <a:r>
+                  <a:rPr lang="en-CA" sz="750" spc="0" baseline="0" dirty="0">
+                    <a:ln/>
+                    <a:solidFill>
+                      <a:srgbClr val="333333"/>
+                    </a:solidFill>
+                    <a:latin typeface="Futura Cyrillic Book" panose="020B0502020204020303" pitchFamily="34" charset="0"/>
+                    <a:cs typeface="Arial"/>
+                    <a:sym typeface="Arial"/>
+                    <a:rtl val="0"/>
+                  </a:rPr>
+                  <a:t>• Multi-factor voice verification</a:t>
+                </a:r>
+              </a:p>
+            </p:txBody>
+          </p:sp>
+          <p:sp>
+            <p:nvSpPr>
+              <p:cNvPr id="64" name="TextBox 63">
+                <a:extLst>
+                  <a:ext uri="{FF2B5EF4-FFF2-40B4-BE49-F238E27FC236}">
+                    <a16:creationId xmlns:a16="http://schemas.microsoft.com/office/drawing/2014/main" id="{5EBAC039-D7A1-0F57-D544-C43940A2F550}"/>
+                  </a:ext>
+                </a:extLst>
+              </p:cNvPr>
+              <p:cNvSpPr txBox="1"/>
+              <p:nvPr/>
+            </p:nvSpPr>
+            <p:spPr>
+              <a:xfrm>
+                <a:off x="2015413" y="8613807"/>
+                <a:ext cx="1581463" cy="207749"/>
+              </a:xfrm>
+              <a:prstGeom prst="rect">
+                <a:avLst/>
+              </a:prstGeom>
+              <a:noFill/>
+            </p:spPr>
+            <p:txBody>
+              <a:bodyPr wrap="square" rtlCol="0" anchor="ctr">
+                <a:spAutoFit/>
+              </a:bodyPr>
+              <a:lstStyle/>
+              <a:p>
+                <a:pPr algn="l"/>
+                <a:r>
+                  <a:rPr lang="en-CA" sz="750" spc="0" baseline="0" dirty="0">
+                    <a:ln/>
+                    <a:solidFill>
+                      <a:srgbClr val="333333"/>
+                    </a:solidFill>
+                    <a:latin typeface="Futura Cyrillic Book" panose="020B0502020204020303" pitchFamily="34" charset="0"/>
+                    <a:cs typeface="Arial"/>
+                    <a:sym typeface="Arial"/>
+                    <a:rtl val="0"/>
+                  </a:rPr>
+                  <a:t>• AI-powered detection</a:t>
+                </a:r>
+              </a:p>
+            </p:txBody>
+          </p:sp>
+          <p:sp>
+            <p:nvSpPr>
+              <p:cNvPr id="65" name="TextBox 64">
+                <a:extLst>
+                  <a:ext uri="{FF2B5EF4-FFF2-40B4-BE49-F238E27FC236}">
+                    <a16:creationId xmlns:a16="http://schemas.microsoft.com/office/drawing/2014/main" id="{308009A5-6B38-11FB-0F96-63D4DFCB3B34}"/>
+                  </a:ext>
+                </a:extLst>
+              </p:cNvPr>
+              <p:cNvSpPr txBox="1"/>
+              <p:nvPr/>
+            </p:nvSpPr>
+            <p:spPr>
+              <a:xfrm>
+                <a:off x="2015413" y="8711345"/>
+                <a:ext cx="2101492" cy="207749"/>
+              </a:xfrm>
+              <a:prstGeom prst="rect">
+                <a:avLst/>
+              </a:prstGeom>
+              <a:noFill/>
+            </p:spPr>
+            <p:txBody>
+              <a:bodyPr wrap="square" rtlCol="0" anchor="ctr">
+                <a:spAutoFit/>
+              </a:bodyPr>
+              <a:lstStyle/>
+              <a:p>
+                <a:pPr algn="l"/>
+                <a:r>
+                  <a:rPr lang="en-CA" sz="750" spc="0" baseline="0" dirty="0">
+                    <a:ln/>
+                    <a:solidFill>
+                      <a:srgbClr val="333333"/>
+                    </a:solidFill>
+                    <a:latin typeface="Futura Cyrillic Book" panose="020B0502020204020303" pitchFamily="34" charset="0"/>
+                    <a:cs typeface="Arial"/>
+                    <a:sym typeface="Arial"/>
+                    <a:rtl val="0"/>
+                  </a:rPr>
+                  <a:t>• Immediate response protocols</a:t>
+                </a:r>
+              </a:p>
+            </p:txBody>
+          </p:sp>
+          <p:sp>
+            <p:nvSpPr>
+              <p:cNvPr id="66" name="TextBox 65">
+                <a:extLst>
+                  <a:ext uri="{FF2B5EF4-FFF2-40B4-BE49-F238E27FC236}">
+                    <a16:creationId xmlns:a16="http://schemas.microsoft.com/office/drawing/2014/main" id="{71C22790-245B-4DA6-16AA-E8F9F2979C49}"/>
+                  </a:ext>
+                </a:extLst>
+              </p:cNvPr>
+              <p:cNvSpPr txBox="1"/>
+              <p:nvPr/>
+            </p:nvSpPr>
+            <p:spPr>
+              <a:xfrm>
+                <a:off x="2015412" y="8808884"/>
+                <a:ext cx="2040543" cy="207749"/>
+              </a:xfrm>
+              <a:prstGeom prst="rect">
+                <a:avLst/>
+              </a:prstGeom>
+              <a:noFill/>
+            </p:spPr>
+            <p:txBody>
+              <a:bodyPr wrap="square" rtlCol="0" anchor="ctr">
+                <a:spAutoFit/>
+              </a:bodyPr>
+              <a:lstStyle/>
+              <a:p>
+                <a:pPr algn="l"/>
+                <a:r>
+                  <a:rPr lang="en-CA" sz="750" spc="0" baseline="0">
+                    <a:ln/>
+                    <a:solidFill>
+                      <a:srgbClr val="333333"/>
+                    </a:solidFill>
+                    <a:latin typeface="Futura Cyrillic Book" panose="020B0502020204020303" pitchFamily="34" charset="0"/>
+                    <a:cs typeface="Arial"/>
+                    <a:sym typeface="Arial"/>
+                    <a:rtl val="0"/>
+                  </a:rPr>
+                  <a:t>• Weekly rotating auth phrases</a:t>
+                </a:r>
+              </a:p>
+            </p:txBody>
+          </p:sp>
+          <p:sp>
+            <p:nvSpPr>
+              <p:cNvPr id="67" name="TextBox 66">
+                <a:extLst>
+                  <a:ext uri="{FF2B5EF4-FFF2-40B4-BE49-F238E27FC236}">
+                    <a16:creationId xmlns:a16="http://schemas.microsoft.com/office/drawing/2014/main" id="{B80D16A5-2456-2E1B-36A4-7559784A5198}"/>
+                  </a:ext>
+                </a:extLst>
+              </p:cNvPr>
+              <p:cNvSpPr txBox="1"/>
+              <p:nvPr/>
+            </p:nvSpPr>
+            <p:spPr>
+              <a:xfrm>
+                <a:off x="2022726" y="8948012"/>
+                <a:ext cx="1813692" cy="196208"/>
+              </a:xfrm>
+              <a:prstGeom prst="rect">
+                <a:avLst/>
+              </a:prstGeom>
+              <a:noFill/>
+            </p:spPr>
+            <p:txBody>
+              <a:bodyPr wrap="square" rtlCol="0" anchor="ctr">
+                <a:spAutoFit/>
+              </a:bodyPr>
+              <a:lstStyle/>
+              <a:p>
+                <a:pPr algn="l"/>
+                <a:r>
+                  <a:rPr lang="en-CA" sz="675" i="1" spc="0" baseline="0" dirty="0">
+                    <a:ln/>
+                    <a:solidFill>
+                      <a:schemeClr val="bg2"/>
+                    </a:solidFill>
+                    <a:latin typeface="Futura Cyrillic Book" panose="020B0502020204020303" pitchFamily="34" charset="0"/>
+                    <a:cs typeface="Arial"/>
+                    <a:sym typeface="Arial"/>
+                    <a:rtl val="0"/>
+                  </a:rPr>
+                  <a:t>Examples: CEO, CFO, COO whose</a:t>
+                </a:r>
+              </a:p>
+            </p:txBody>
+          </p:sp>
+          <p:sp>
+            <p:nvSpPr>
+              <p:cNvPr id="68" name="TextBox 67">
+                <a:extLst>
+                  <a:ext uri="{FF2B5EF4-FFF2-40B4-BE49-F238E27FC236}">
+                    <a16:creationId xmlns:a16="http://schemas.microsoft.com/office/drawing/2014/main" id="{307C8D7D-69DB-3D74-E3E6-71FC6B22A58D}"/>
+                  </a:ext>
+                </a:extLst>
+              </p:cNvPr>
+              <p:cNvSpPr txBox="1"/>
+              <p:nvPr/>
+            </p:nvSpPr>
+            <p:spPr>
+              <a:xfrm>
+                <a:off x="2022726" y="9047204"/>
+                <a:ext cx="2044446" cy="196208"/>
+              </a:xfrm>
+              <a:prstGeom prst="rect">
+                <a:avLst/>
+              </a:prstGeom>
+              <a:noFill/>
+            </p:spPr>
+            <p:txBody>
+              <a:bodyPr wrap="square" rtlCol="0" anchor="ctr">
+                <a:spAutoFit/>
+              </a:bodyPr>
+              <a:lstStyle/>
+              <a:p>
+                <a:pPr algn="l"/>
+                <a:r>
+                  <a:rPr lang="en-CA" sz="675" i="1" spc="0" baseline="0" dirty="0">
+                    <a:ln/>
+                    <a:solidFill>
+                      <a:schemeClr val="bg2"/>
+                    </a:solidFill>
+                    <a:latin typeface="Futura Cyrillic Book" panose="020B0502020204020303" pitchFamily="34" charset="0"/>
+                    <a:cs typeface="Arial"/>
+                    <a:sym typeface="Arial"/>
+                    <a:rtl val="0"/>
+                  </a:rPr>
+                  <a:t>compromise triggers million-dollar losses</a:t>
+                </a:r>
+              </a:p>
+            </p:txBody>
+          </p:sp>
+        </p:grpSp>
+        <p:sp>
+          <p:nvSpPr>
+            <p:cNvPr id="77" name="Freeform 2">
+              <a:extLst>
+                <a:ext uri="{FF2B5EF4-FFF2-40B4-BE49-F238E27FC236}">
+                  <a16:creationId xmlns:a16="http://schemas.microsoft.com/office/drawing/2014/main" id="{7EFACFC2-A7F7-73B4-958F-CFFD90D4F83C}"/>
+                </a:ext>
+              </a:extLst>
+            </p:cNvPr>
+            <p:cNvSpPr/>
+            <p:nvPr/>
+          </p:nvSpPr>
+          <p:spPr>
+            <a:xfrm>
+              <a:off x="2147498" y="8187539"/>
+              <a:ext cx="152400" cy="156092"/>
+            </a:xfrm>
+            <a:custGeom>
+              <a:avLst/>
+              <a:gdLst/>
+              <a:ahLst/>
+              <a:cxnLst/>
+              <a:rect l="l" t="t" r="r" b="b"/>
+              <a:pathLst>
+                <a:path w="2796773" h="3732913">
+                  <a:moveTo>
+                    <a:pt x="0" y="0"/>
+                  </a:moveTo>
+                  <a:lnTo>
+                    <a:pt x="2796773" y="0"/>
+                  </a:lnTo>
+                  <a:lnTo>
+                    <a:pt x="2796773" y="3732913"/>
+                  </a:lnTo>
+                  <a:lnTo>
+                    <a:pt x="0" y="3732913"/>
+                  </a:lnTo>
+                  <a:lnTo>
+                    <a:pt x="0" y="0"/>
+                  </a:lnTo>
+                  <a:close/>
+                </a:path>
+              </a:pathLst>
+            </a:custGeom>
+            <a:blipFill>
+              <a:blip r:embed="rId2"/>
+              <a:stretch>
+                <a:fillRect l="-35049" t="-30759" r="-35049" b="-60523"/>
+              </a:stretch>
+            </a:blipFill>
+          </p:spPr>
+          <p:txBody>
+            <a:bodyPr anchor="ctr"/>
+            <a:lstStyle/>
+            <a:p>
+              <a:endParaRPr lang="en-CA" dirty="0"/>
+            </a:p>
+          </p:txBody>
+        </p:sp>
+      </p:grpSp>
+    </p:spTree>
+    <p:extLst>
+      <p:ext uri="{BB962C8B-B14F-4D97-AF65-F5344CB8AC3E}">
+        <p14:creationId xmlns:p14="http://schemas.microsoft.com/office/powerpoint/2010/main" val="3238649318"/>
+      </p:ext>
+    </p:extLst>
+  </p:cSld>
+  <p:clrMapOvr>
+    <a:masterClrMapping/>
+  </p:clrMapOvr>
+</p:sld>
+</file>
+
+<file path=ppt/slides/slide7.xml><?xml version="1.0" encoding="utf-8"?>
+<p:sld xmlns:a="http://schemas.openxmlformats.org/drawingml/2006/main" xmlns:r="http://schemas.openxmlformats.org/officeDocument/2006/relationships" xmlns:p="http://schemas.openxmlformats.org/presentationml/2006/main">
+  <p:cSld>
+    <p:spTree>
+      <p:nvGrpSpPr>
         <p:cNvPr id="1" name=""/>
         <p:cNvGrpSpPr/>
         <p:nvPr/>
@@ -8539,7 +11665,7 @@
 </p:sld>
 </file>
 
-<file path=ppt/slides/slide7.xml><?xml version="1.0" encoding="utf-8"?>
+<file path=ppt/slides/slide8.xml><?xml version="1.0" encoding="utf-8"?>
 <p:sld xmlns:a="http://schemas.openxmlformats.org/drawingml/2006/main" xmlns:r="http://schemas.openxmlformats.org/officeDocument/2006/relationships" xmlns:p="http://schemas.openxmlformats.org/presentationml/2006/main">
   <p:cSld>
     <p:spTree>
